--- a/Code perso/Exposés/Git.pptx
+++ b/Code perso/Exposés/Git.pptx
@@ -8,6 +8,12 @@
     <p:sldId id="256" r:id="rId5"/>
     <p:sldId id="257" r:id="rId6"/>
     <p:sldId id="258" r:id="rId7"/>
+    <p:sldId id="259" r:id="rId8"/>
+    <p:sldId id="260" r:id="rId9"/>
+    <p:sldId id="263" r:id="rId10"/>
+    <p:sldId id="264" r:id="rId11"/>
+    <p:sldId id="261" r:id="rId12"/>
+    <p:sldId id="262" r:id="rId13"/>
   </p:sldIdLst>
   <p:sldSz cx="12192000" cy="6858000"/>
   <p:notesSz cx="6858000" cy="9144000"/>
@@ -117,7 +123,7 @@
 <file path=ppt/revisionInfo.xml><?xml version="1.0" encoding="utf-8"?>
 <p1510:revInfo xmlns:a="http://schemas.openxmlformats.org/drawingml/2006/main" xmlns:r="http://schemas.openxmlformats.org/officeDocument/2006/relationships" xmlns:p1510="http://schemas.microsoft.com/office/powerpoint/2015/10/main">
   <p1510:revLst>
-    <p1510:client id="{676EEA2F-B1FE-49B3-B0F9-9581CA38D6CD}" v="4" dt="2024-03-28T19:02:34.631"/>
+    <p1510:client id="{A545601D-4F61-4D8C-99B9-F18C6E4BFB35}" v="12" dt="2024-04-02T11:38:53.511"/>
   </p1510:revLst>
 </p1510:revInfo>
 </file>
@@ -454,6 +460,496 @@
           </pc:sldLayoutMkLst>
         </pc:sldLayoutChg>
       </pc:sldMasterChg>
+    </pc:docChg>
+  </pc:docChgLst>
+  <pc:docChgLst>
+    <pc:chgData name="RODRIGUEZ Enzo" userId="c7d9669b-353c-4586-b7b1-5ee7bcd74935" providerId="ADAL" clId="{A545601D-4F61-4D8C-99B9-F18C6E4BFB35}"/>
+    <pc:docChg chg="undo custSel addSld delSld modSld">
+      <pc:chgData name="RODRIGUEZ Enzo" userId="c7d9669b-353c-4586-b7b1-5ee7bcd74935" providerId="ADAL" clId="{A545601D-4F61-4D8C-99B9-F18C6E4BFB35}" dt="2024-04-02T12:45:42.928" v="1428" actId="20577"/>
+      <pc:docMkLst>
+        <pc:docMk/>
+      </pc:docMkLst>
+      <pc:sldChg chg="modSp new mod">
+        <pc:chgData name="RODRIGUEZ Enzo" userId="c7d9669b-353c-4586-b7b1-5ee7bcd74935" providerId="ADAL" clId="{A545601D-4F61-4D8C-99B9-F18C6E4BFB35}" dt="2024-04-02T11:34:06.762" v="70" actId="20577"/>
+        <pc:sldMkLst>
+          <pc:docMk/>
+          <pc:sldMk cId="334484936" sldId="259"/>
+        </pc:sldMkLst>
+        <pc:spChg chg="mod">
+          <ac:chgData name="RODRIGUEZ Enzo" userId="c7d9669b-353c-4586-b7b1-5ee7bcd74935" providerId="ADAL" clId="{A545601D-4F61-4D8C-99B9-F18C6E4BFB35}" dt="2024-04-02T11:34:06.762" v="70" actId="20577"/>
+          <ac:spMkLst>
+            <pc:docMk/>
+            <pc:sldMk cId="334484936" sldId="259"/>
+            <ac:spMk id="2" creationId="{14227E89-EB9E-5076-291F-8A3753104845}"/>
+          </ac:spMkLst>
+        </pc:spChg>
+        <pc:spChg chg="mod">
+          <ac:chgData name="RODRIGUEZ Enzo" userId="c7d9669b-353c-4586-b7b1-5ee7bcd74935" providerId="ADAL" clId="{A545601D-4F61-4D8C-99B9-F18C6E4BFB35}" dt="2024-04-02T11:34:03.204" v="68" actId="20577"/>
+          <ac:spMkLst>
+            <pc:docMk/>
+            <pc:sldMk cId="334484936" sldId="259"/>
+            <ac:spMk id="3" creationId="{47A14EC5-2A03-7790-5D6A-0B341627EDF4}"/>
+          </ac:spMkLst>
+        </pc:spChg>
+      </pc:sldChg>
+      <pc:sldChg chg="modSp new del mod">
+        <pc:chgData name="RODRIGUEZ Enzo" userId="c7d9669b-353c-4586-b7b1-5ee7bcd74935" providerId="ADAL" clId="{A545601D-4F61-4D8C-99B9-F18C6E4BFB35}" dt="2024-04-02T11:33:24.809" v="4" actId="2696"/>
+        <pc:sldMkLst>
+          <pc:docMk/>
+          <pc:sldMk cId="3851238551" sldId="259"/>
+        </pc:sldMkLst>
+        <pc:spChg chg="mod">
+          <ac:chgData name="RODRIGUEZ Enzo" userId="c7d9669b-353c-4586-b7b1-5ee7bcd74935" providerId="ADAL" clId="{A545601D-4F61-4D8C-99B9-F18C6E4BFB35}" dt="2024-04-02T11:33:20.646" v="3" actId="20577"/>
+          <ac:spMkLst>
+            <pc:docMk/>
+            <pc:sldMk cId="3851238551" sldId="259"/>
+            <ac:spMk id="2" creationId="{02E0AB39-2207-70A6-3D29-1406E6305776}"/>
+          </ac:spMkLst>
+        </pc:spChg>
+      </pc:sldChg>
+      <pc:sldChg chg="addSp delSp modSp new mod setBg">
+        <pc:chgData name="RODRIGUEZ Enzo" userId="c7d9669b-353c-4586-b7b1-5ee7bcd74935" providerId="ADAL" clId="{A545601D-4F61-4D8C-99B9-F18C6E4BFB35}" dt="2024-04-02T12:45:42.928" v="1428" actId="20577"/>
+        <pc:sldMkLst>
+          <pc:docMk/>
+          <pc:sldMk cId="2984980206" sldId="260"/>
+        </pc:sldMkLst>
+        <pc:spChg chg="mod">
+          <ac:chgData name="RODRIGUEZ Enzo" userId="c7d9669b-353c-4586-b7b1-5ee7bcd74935" providerId="ADAL" clId="{A545601D-4F61-4D8C-99B9-F18C6E4BFB35}" dt="2024-04-02T11:38:50.777" v="641" actId="26606"/>
+          <ac:spMkLst>
+            <pc:docMk/>
+            <pc:sldMk cId="2984980206" sldId="260"/>
+            <ac:spMk id="2" creationId="{DE20AB3A-2F61-8C42-0E65-0B47DC9C4E89}"/>
+          </ac:spMkLst>
+        </pc:spChg>
+        <pc:spChg chg="add del mod ord">
+          <ac:chgData name="RODRIGUEZ Enzo" userId="c7d9669b-353c-4586-b7b1-5ee7bcd74935" providerId="ADAL" clId="{A545601D-4F61-4D8C-99B9-F18C6E4BFB35}" dt="2024-04-02T12:45:42.928" v="1428" actId="20577"/>
+          <ac:spMkLst>
+            <pc:docMk/>
+            <pc:sldMk cId="2984980206" sldId="260"/>
+            <ac:spMk id="3" creationId="{F06C7F2B-69C1-3C3D-5048-9C6EFAB82DC6}"/>
+          </ac:spMkLst>
+        </pc:spChg>
+        <pc:spChg chg="add">
+          <ac:chgData name="RODRIGUEZ Enzo" userId="c7d9669b-353c-4586-b7b1-5ee7bcd74935" providerId="ADAL" clId="{A545601D-4F61-4D8C-99B9-F18C6E4BFB35}" dt="2024-04-02T11:38:50.777" v="641" actId="26606"/>
+          <ac:spMkLst>
+            <pc:docMk/>
+            <pc:sldMk cId="2984980206" sldId="260"/>
+            <ac:spMk id="1033" creationId="{3346177D-ADC4-4968-B747-5CFCD390B5B9}"/>
+          </ac:spMkLst>
+        </pc:spChg>
+        <pc:spChg chg="add">
+          <ac:chgData name="RODRIGUEZ Enzo" userId="c7d9669b-353c-4586-b7b1-5ee7bcd74935" providerId="ADAL" clId="{A545601D-4F61-4D8C-99B9-F18C6E4BFB35}" dt="2024-04-02T11:38:50.777" v="641" actId="26606"/>
+          <ac:spMkLst>
+            <pc:docMk/>
+            <pc:sldMk cId="2984980206" sldId="260"/>
+            <ac:spMk id="1035" creationId="{57279BCC-714F-432D-B1E1-DD2CF7507729}"/>
+          </ac:spMkLst>
+        </pc:spChg>
+        <pc:spChg chg="add">
+          <ac:chgData name="RODRIGUEZ Enzo" userId="c7d9669b-353c-4586-b7b1-5ee7bcd74935" providerId="ADAL" clId="{A545601D-4F61-4D8C-99B9-F18C6E4BFB35}" dt="2024-04-02T11:38:50.777" v="641" actId="26606"/>
+          <ac:spMkLst>
+            <pc:docMk/>
+            <pc:sldMk cId="2984980206" sldId="260"/>
+            <ac:spMk id="1037" creationId="{0D678D00-BED9-4B8A-8AE6-A1050EE5F243}"/>
+          </ac:spMkLst>
+        </pc:spChg>
+        <pc:picChg chg="add del mod">
+          <ac:chgData name="RODRIGUEZ Enzo" userId="c7d9669b-353c-4586-b7b1-5ee7bcd74935" providerId="ADAL" clId="{A545601D-4F61-4D8C-99B9-F18C6E4BFB35}" dt="2024-04-02T11:34:42.405" v="78"/>
+          <ac:picMkLst>
+            <pc:docMk/>
+            <pc:sldMk cId="2984980206" sldId="260"/>
+            <ac:picMk id="1026" creationId="{752CCF58-17B4-7D11-E51B-6AB98648F575}"/>
+          </ac:picMkLst>
+        </pc:picChg>
+        <pc:picChg chg="add mod">
+          <ac:chgData name="RODRIGUEZ Enzo" userId="c7d9669b-353c-4586-b7b1-5ee7bcd74935" providerId="ADAL" clId="{A545601D-4F61-4D8C-99B9-F18C6E4BFB35}" dt="2024-04-02T11:38:53.511" v="642" actId="1076"/>
+          <ac:picMkLst>
+            <pc:docMk/>
+            <pc:sldMk cId="2984980206" sldId="260"/>
+            <ac:picMk id="1028" creationId="{95DD639D-4579-AE09-BD29-247A9E8064CB}"/>
+          </ac:picMkLst>
+        </pc:picChg>
+      </pc:sldChg>
+      <pc:sldChg chg="modSp new mod">
+        <pc:chgData name="RODRIGUEZ Enzo" userId="c7d9669b-353c-4586-b7b1-5ee7bcd74935" providerId="ADAL" clId="{A545601D-4F61-4D8C-99B9-F18C6E4BFB35}" dt="2024-04-02T11:35:58.903" v="297" actId="20577"/>
+        <pc:sldMkLst>
+          <pc:docMk/>
+          <pc:sldMk cId="135966668" sldId="261"/>
+        </pc:sldMkLst>
+        <pc:spChg chg="mod">
+          <ac:chgData name="RODRIGUEZ Enzo" userId="c7d9669b-353c-4586-b7b1-5ee7bcd74935" providerId="ADAL" clId="{A545601D-4F61-4D8C-99B9-F18C6E4BFB35}" dt="2024-04-02T11:35:58.903" v="297" actId="20577"/>
+          <ac:spMkLst>
+            <pc:docMk/>
+            <pc:sldMk cId="135966668" sldId="261"/>
+            <ac:spMk id="2" creationId="{06E66C5B-9094-9944-58D2-C7060A20E390}"/>
+          </ac:spMkLst>
+        </pc:spChg>
+      </pc:sldChg>
+      <pc:sldChg chg="addSp modSp new mod setBg">
+        <pc:chgData name="RODRIGUEZ Enzo" userId="c7d9669b-353c-4586-b7b1-5ee7bcd74935" providerId="ADAL" clId="{A545601D-4F61-4D8C-99B9-F18C6E4BFB35}" dt="2024-04-02T12:45:03.750" v="1385" actId="20577"/>
+        <pc:sldMkLst>
+          <pc:docMk/>
+          <pc:sldMk cId="3847341339" sldId="262"/>
+        </pc:sldMkLst>
+        <pc:spChg chg="mod">
+          <ac:chgData name="RODRIGUEZ Enzo" userId="c7d9669b-353c-4586-b7b1-5ee7bcd74935" providerId="ADAL" clId="{A545601D-4F61-4D8C-99B9-F18C6E4BFB35}" dt="2024-04-02T11:38:34.840" v="638" actId="26606"/>
+          <ac:spMkLst>
+            <pc:docMk/>
+            <pc:sldMk cId="3847341339" sldId="262"/>
+            <ac:spMk id="2" creationId="{E991014F-2810-96F9-E03A-D200DF5685C5}"/>
+          </ac:spMkLst>
+        </pc:spChg>
+        <pc:spChg chg="mod">
+          <ac:chgData name="RODRIGUEZ Enzo" userId="c7d9669b-353c-4586-b7b1-5ee7bcd74935" providerId="ADAL" clId="{A545601D-4F61-4D8C-99B9-F18C6E4BFB35}" dt="2024-04-02T12:45:03.750" v="1385" actId="20577"/>
+          <ac:spMkLst>
+            <pc:docMk/>
+            <pc:sldMk cId="3847341339" sldId="262"/>
+            <ac:spMk id="3" creationId="{1EE362AC-B6AB-C906-ADEA-1D59C3E3E567}"/>
+          </ac:spMkLst>
+        </pc:spChg>
+        <pc:spChg chg="add">
+          <ac:chgData name="RODRIGUEZ Enzo" userId="c7d9669b-353c-4586-b7b1-5ee7bcd74935" providerId="ADAL" clId="{A545601D-4F61-4D8C-99B9-F18C6E4BFB35}" dt="2024-04-02T11:38:34.840" v="638" actId="26606"/>
+          <ac:spMkLst>
+            <pc:docMk/>
+            <pc:sldMk cId="3847341339" sldId="262"/>
+            <ac:spMk id="2055" creationId="{93DAF4AA-9270-40B5-B73C-B11B9A92F0BC}"/>
+          </ac:spMkLst>
+        </pc:spChg>
+        <pc:spChg chg="add">
+          <ac:chgData name="RODRIGUEZ Enzo" userId="c7d9669b-353c-4586-b7b1-5ee7bcd74935" providerId="ADAL" clId="{A545601D-4F61-4D8C-99B9-F18C6E4BFB35}" dt="2024-04-02T11:38:34.840" v="638" actId="26606"/>
+          <ac:spMkLst>
+            <pc:docMk/>
+            <pc:sldMk cId="3847341339" sldId="262"/>
+            <ac:spMk id="2057" creationId="{31D5E60A-D6B1-4F21-A993-313958AF0C00}"/>
+          </ac:spMkLst>
+        </pc:spChg>
+        <pc:spChg chg="add">
+          <ac:chgData name="RODRIGUEZ Enzo" userId="c7d9669b-353c-4586-b7b1-5ee7bcd74935" providerId="ADAL" clId="{A545601D-4F61-4D8C-99B9-F18C6E4BFB35}" dt="2024-04-02T11:38:34.840" v="638" actId="26606"/>
+          <ac:spMkLst>
+            <pc:docMk/>
+            <pc:sldMk cId="3847341339" sldId="262"/>
+            <ac:spMk id="2059" creationId="{5B7BB16B-E108-4C64-97D5-7AC67CC5E2C7}"/>
+          </ac:spMkLst>
+        </pc:spChg>
+        <pc:spChg chg="add">
+          <ac:chgData name="RODRIGUEZ Enzo" userId="c7d9669b-353c-4586-b7b1-5ee7bcd74935" providerId="ADAL" clId="{A545601D-4F61-4D8C-99B9-F18C6E4BFB35}" dt="2024-04-02T11:38:34.840" v="638" actId="26606"/>
+          <ac:spMkLst>
+            <pc:docMk/>
+            <pc:sldMk cId="3847341339" sldId="262"/>
+            <ac:spMk id="2061" creationId="{A5F6A003-4671-4F7B-A12E-2946D61E435F}"/>
+          </ac:spMkLst>
+        </pc:spChg>
+        <pc:picChg chg="add mod">
+          <ac:chgData name="RODRIGUEZ Enzo" userId="c7d9669b-353c-4586-b7b1-5ee7bcd74935" providerId="ADAL" clId="{A545601D-4F61-4D8C-99B9-F18C6E4BFB35}" dt="2024-04-02T11:38:37.805" v="640" actId="1076"/>
+          <ac:picMkLst>
+            <pc:docMk/>
+            <pc:sldMk cId="3847341339" sldId="262"/>
+            <ac:picMk id="2050" creationId="{2363AA8E-D731-9575-4BD0-B75BBBA3F99B}"/>
+          </ac:picMkLst>
+        </pc:picChg>
+      </pc:sldChg>
+      <pc:sldChg chg="addSp delSp modSp new mod setBg">
+        <pc:chgData name="RODRIGUEZ Enzo" userId="c7d9669b-353c-4586-b7b1-5ee7bcd74935" providerId="ADAL" clId="{A545601D-4F61-4D8C-99B9-F18C6E4BFB35}" dt="2024-04-02T12:39:41.991" v="669" actId="26606"/>
+        <pc:sldMkLst>
+          <pc:docMk/>
+          <pc:sldMk cId="195493370" sldId="263"/>
+        </pc:sldMkLst>
+        <pc:spChg chg="mod">
+          <ac:chgData name="RODRIGUEZ Enzo" userId="c7d9669b-353c-4586-b7b1-5ee7bcd74935" providerId="ADAL" clId="{A545601D-4F61-4D8C-99B9-F18C6E4BFB35}" dt="2024-04-02T12:39:41.991" v="669" actId="26606"/>
+          <ac:spMkLst>
+            <pc:docMk/>
+            <pc:sldMk cId="195493370" sldId="263"/>
+            <ac:spMk id="2" creationId="{8D4D82F1-C049-6D8E-22BD-8890079162FF}"/>
+          </ac:spMkLst>
+        </pc:spChg>
+        <pc:spChg chg="del">
+          <ac:chgData name="RODRIGUEZ Enzo" userId="c7d9669b-353c-4586-b7b1-5ee7bcd74935" providerId="ADAL" clId="{A545601D-4F61-4D8C-99B9-F18C6E4BFB35}" dt="2024-04-02T12:39:20.540" v="658" actId="22"/>
+          <ac:spMkLst>
+            <pc:docMk/>
+            <pc:sldMk cId="195493370" sldId="263"/>
+            <ac:spMk id="3" creationId="{09FBE5C7-7C04-E862-F69D-2D36F8933BDF}"/>
+          </ac:spMkLst>
+        </pc:spChg>
+        <pc:spChg chg="add del">
+          <ac:chgData name="RODRIGUEZ Enzo" userId="c7d9669b-353c-4586-b7b1-5ee7bcd74935" providerId="ADAL" clId="{A545601D-4F61-4D8C-99B9-F18C6E4BFB35}" dt="2024-04-02T12:39:24.630" v="660" actId="26606"/>
+          <ac:spMkLst>
+            <pc:docMk/>
+            <pc:sldMk cId="195493370" sldId="263"/>
+            <ac:spMk id="9" creationId="{40466FF9-BF41-9ED9-4772-B628BDC31AAD}"/>
+          </ac:spMkLst>
+        </pc:spChg>
+        <pc:spChg chg="add del">
+          <ac:chgData name="RODRIGUEZ Enzo" userId="c7d9669b-353c-4586-b7b1-5ee7bcd74935" providerId="ADAL" clId="{A545601D-4F61-4D8C-99B9-F18C6E4BFB35}" dt="2024-04-02T12:39:36.034" v="664" actId="26606"/>
+          <ac:spMkLst>
+            <pc:docMk/>
+            <pc:sldMk cId="195493370" sldId="263"/>
+            <ac:spMk id="10" creationId="{BD4C0BBB-0042-4603-A226-6117F3FD5B3C}"/>
+          </ac:spMkLst>
+        </pc:spChg>
+        <pc:spChg chg="add del">
+          <ac:chgData name="RODRIGUEZ Enzo" userId="c7d9669b-353c-4586-b7b1-5ee7bcd74935" providerId="ADAL" clId="{A545601D-4F61-4D8C-99B9-F18C6E4BFB35}" dt="2024-04-02T12:39:24.630" v="660" actId="26606"/>
+          <ac:spMkLst>
+            <pc:docMk/>
+            <pc:sldMk cId="195493370" sldId="263"/>
+            <ac:spMk id="12" creationId="{979E27D9-03C7-44E2-9FF8-15D0C8506AF7}"/>
+          </ac:spMkLst>
+        </pc:spChg>
+        <pc:spChg chg="add del">
+          <ac:chgData name="RODRIGUEZ Enzo" userId="c7d9669b-353c-4586-b7b1-5ee7bcd74935" providerId="ADAL" clId="{A545601D-4F61-4D8C-99B9-F18C6E4BFB35}" dt="2024-04-02T12:39:24.630" v="660" actId="26606"/>
+          <ac:spMkLst>
+            <pc:docMk/>
+            <pc:sldMk cId="195493370" sldId="263"/>
+            <ac:spMk id="14" creationId="{EEBF1590-3B36-48EE-A89D-3B6F3CB256AB}"/>
+          </ac:spMkLst>
+        </pc:spChg>
+        <pc:spChg chg="add del">
+          <ac:chgData name="RODRIGUEZ Enzo" userId="c7d9669b-353c-4586-b7b1-5ee7bcd74935" providerId="ADAL" clId="{A545601D-4F61-4D8C-99B9-F18C6E4BFB35}" dt="2024-04-02T12:39:24.630" v="660" actId="26606"/>
+          <ac:spMkLst>
+            <pc:docMk/>
+            <pc:sldMk cId="195493370" sldId="263"/>
+            <ac:spMk id="16" creationId="{AC8F6C8C-AB5A-4548-942D-E3FD40ACBC49}"/>
+          </ac:spMkLst>
+        </pc:spChg>
+        <pc:spChg chg="add del">
+          <ac:chgData name="RODRIGUEZ Enzo" userId="c7d9669b-353c-4586-b7b1-5ee7bcd74935" providerId="ADAL" clId="{A545601D-4F61-4D8C-99B9-F18C6E4BFB35}" dt="2024-04-02T12:39:30.319" v="662" actId="26606"/>
+          <ac:spMkLst>
+            <pc:docMk/>
+            <pc:sldMk cId="195493370" sldId="263"/>
+            <ac:spMk id="18" creationId="{E3CBB9B1-7B7D-4BA1-A1AF-572168B39539}"/>
+          </ac:spMkLst>
+        </pc:spChg>
+        <pc:spChg chg="add del">
+          <ac:chgData name="RODRIGUEZ Enzo" userId="c7d9669b-353c-4586-b7b1-5ee7bcd74935" providerId="ADAL" clId="{A545601D-4F61-4D8C-99B9-F18C6E4BFB35}" dt="2024-04-02T12:39:30.319" v="662" actId="26606"/>
+          <ac:spMkLst>
+            <pc:docMk/>
+            <pc:sldMk cId="195493370" sldId="263"/>
+            <ac:spMk id="19" creationId="{FB473837-F33B-7343-F2C0-DD7175D40A01}"/>
+          </ac:spMkLst>
+        </pc:spChg>
+        <pc:spChg chg="add del">
+          <ac:chgData name="RODRIGUEZ Enzo" userId="c7d9669b-353c-4586-b7b1-5ee7bcd74935" providerId="ADAL" clId="{A545601D-4F61-4D8C-99B9-F18C6E4BFB35}" dt="2024-04-02T12:39:30.319" v="662" actId="26606"/>
+          <ac:spMkLst>
+            <pc:docMk/>
+            <pc:sldMk cId="195493370" sldId="263"/>
+            <ac:spMk id="20" creationId="{907741FC-B544-4A6E-B831-6789D042333D}"/>
+          </ac:spMkLst>
+        </pc:spChg>
+        <pc:spChg chg="add del">
+          <ac:chgData name="RODRIGUEZ Enzo" userId="c7d9669b-353c-4586-b7b1-5ee7bcd74935" providerId="ADAL" clId="{A545601D-4F61-4D8C-99B9-F18C6E4BFB35}" dt="2024-04-02T12:39:30.319" v="662" actId="26606"/>
+          <ac:spMkLst>
+            <pc:docMk/>
+            <pc:sldMk cId="195493370" sldId="263"/>
+            <ac:spMk id="21" creationId="{3F0BE7ED-7814-4273-B18A-F26CC0380380}"/>
+          </ac:spMkLst>
+        </pc:spChg>
+        <pc:spChg chg="add del">
+          <ac:chgData name="RODRIGUEZ Enzo" userId="c7d9669b-353c-4586-b7b1-5ee7bcd74935" providerId="ADAL" clId="{A545601D-4F61-4D8C-99B9-F18C6E4BFB35}" dt="2024-04-02T12:39:36.034" v="664" actId="26606"/>
+          <ac:spMkLst>
+            <pc:docMk/>
+            <pc:sldMk cId="195493370" sldId="263"/>
+            <ac:spMk id="22" creationId="{0567348B-D4F9-4978-8FB4-D4031CD133ED}"/>
+          </ac:spMkLst>
+        </pc:spChg>
+        <pc:spChg chg="add del">
+          <ac:chgData name="RODRIGUEZ Enzo" userId="c7d9669b-353c-4586-b7b1-5ee7bcd74935" providerId="ADAL" clId="{A545601D-4F61-4D8C-99B9-F18C6E4BFB35}" dt="2024-04-02T12:39:36.034" v="664" actId="26606"/>
+          <ac:spMkLst>
+            <pc:docMk/>
+            <pc:sldMk cId="195493370" sldId="263"/>
+            <ac:spMk id="23" creationId="{EC44F520-2598-460E-9F91-B02F60830CA2}"/>
+          </ac:spMkLst>
+        </pc:spChg>
+        <pc:spChg chg="add del">
+          <ac:chgData name="RODRIGUEZ Enzo" userId="c7d9669b-353c-4586-b7b1-5ee7bcd74935" providerId="ADAL" clId="{A545601D-4F61-4D8C-99B9-F18C6E4BFB35}" dt="2024-04-02T12:39:36.034" v="664" actId="26606"/>
+          <ac:spMkLst>
+            <pc:docMk/>
+            <pc:sldMk cId="195493370" sldId="263"/>
+            <ac:spMk id="24" creationId="{BB02F283-AD3D-43EB-8EB3-EEABE7B685DD}"/>
+          </ac:spMkLst>
+        </pc:spChg>
+        <pc:spChg chg="add del">
+          <ac:chgData name="RODRIGUEZ Enzo" userId="c7d9669b-353c-4586-b7b1-5ee7bcd74935" providerId="ADAL" clId="{A545601D-4F61-4D8C-99B9-F18C6E4BFB35}" dt="2024-04-02T12:39:36.034" v="664" actId="26606"/>
+          <ac:spMkLst>
+            <pc:docMk/>
+            <pc:sldMk cId="195493370" sldId="263"/>
+            <ac:spMk id="25" creationId="{87267ACD-C9FA-48F7-BA90-C05046F4EEDF}"/>
+          </ac:spMkLst>
+        </pc:spChg>
+        <pc:spChg chg="add del">
+          <ac:chgData name="RODRIGUEZ Enzo" userId="c7d9669b-353c-4586-b7b1-5ee7bcd74935" providerId="ADAL" clId="{A545601D-4F61-4D8C-99B9-F18C6E4BFB35}" dt="2024-04-02T12:39:36.034" v="664" actId="26606"/>
+          <ac:spMkLst>
+            <pc:docMk/>
+            <pc:sldMk cId="195493370" sldId="263"/>
+            <ac:spMk id="26" creationId="{53E17AA8-C417-4F74-9F1B-EAD82A19B73C}"/>
+          </ac:spMkLst>
+        </pc:spChg>
+        <pc:spChg chg="add del">
+          <ac:chgData name="RODRIGUEZ Enzo" userId="c7d9669b-353c-4586-b7b1-5ee7bcd74935" providerId="ADAL" clId="{A545601D-4F61-4D8C-99B9-F18C6E4BFB35}" dt="2024-04-02T12:39:36.034" v="664" actId="26606"/>
+          <ac:spMkLst>
+            <pc:docMk/>
+            <pc:sldMk cId="195493370" sldId="263"/>
+            <ac:spMk id="27" creationId="{D79F9CB9-0076-49F5-845A-C97CCFC1639A}"/>
+          </ac:spMkLst>
+        </pc:spChg>
+        <pc:spChg chg="add del">
+          <ac:chgData name="RODRIGUEZ Enzo" userId="c7d9669b-353c-4586-b7b1-5ee7bcd74935" providerId="ADAL" clId="{A545601D-4F61-4D8C-99B9-F18C6E4BFB35}" dt="2024-04-02T12:39:37.562" v="666" actId="26606"/>
+          <ac:spMkLst>
+            <pc:docMk/>
+            <pc:sldMk cId="195493370" sldId="263"/>
+            <ac:spMk id="29" creationId="{93DAF4AA-9270-40B5-B73C-B11B9A92F0BC}"/>
+          </ac:spMkLst>
+        </pc:spChg>
+        <pc:spChg chg="add del">
+          <ac:chgData name="RODRIGUEZ Enzo" userId="c7d9669b-353c-4586-b7b1-5ee7bcd74935" providerId="ADAL" clId="{A545601D-4F61-4D8C-99B9-F18C6E4BFB35}" dt="2024-04-02T12:39:37.562" v="666" actId="26606"/>
+          <ac:spMkLst>
+            <pc:docMk/>
+            <pc:sldMk cId="195493370" sldId="263"/>
+            <ac:spMk id="30" creationId="{E1EA8711-0049-89E4-FBD7-937BB9958F62}"/>
+          </ac:spMkLst>
+        </pc:spChg>
+        <pc:spChg chg="add del">
+          <ac:chgData name="RODRIGUEZ Enzo" userId="c7d9669b-353c-4586-b7b1-5ee7bcd74935" providerId="ADAL" clId="{A545601D-4F61-4D8C-99B9-F18C6E4BFB35}" dt="2024-04-02T12:39:37.562" v="666" actId="26606"/>
+          <ac:spMkLst>
+            <pc:docMk/>
+            <pc:sldMk cId="195493370" sldId="263"/>
+            <ac:spMk id="31" creationId="{31D5E60A-D6B1-4F21-A993-313958AF0C00}"/>
+          </ac:spMkLst>
+        </pc:spChg>
+        <pc:spChg chg="add del">
+          <ac:chgData name="RODRIGUEZ Enzo" userId="c7d9669b-353c-4586-b7b1-5ee7bcd74935" providerId="ADAL" clId="{A545601D-4F61-4D8C-99B9-F18C6E4BFB35}" dt="2024-04-02T12:39:37.562" v="666" actId="26606"/>
+          <ac:spMkLst>
+            <pc:docMk/>
+            <pc:sldMk cId="195493370" sldId="263"/>
+            <ac:spMk id="32" creationId="{5B7BB16B-E108-4C64-97D5-7AC67CC5E2C7}"/>
+          </ac:spMkLst>
+        </pc:spChg>
+        <pc:spChg chg="add del">
+          <ac:chgData name="RODRIGUEZ Enzo" userId="c7d9669b-353c-4586-b7b1-5ee7bcd74935" providerId="ADAL" clId="{A545601D-4F61-4D8C-99B9-F18C6E4BFB35}" dt="2024-04-02T12:39:37.562" v="666" actId="26606"/>
+          <ac:spMkLst>
+            <pc:docMk/>
+            <pc:sldMk cId="195493370" sldId="263"/>
+            <ac:spMk id="33" creationId="{A5F6A003-4671-4F7B-A12E-2946D61E435F}"/>
+          </ac:spMkLst>
+        </pc:spChg>
+        <pc:spChg chg="add del">
+          <ac:chgData name="RODRIGUEZ Enzo" userId="c7d9669b-353c-4586-b7b1-5ee7bcd74935" providerId="ADAL" clId="{A545601D-4F61-4D8C-99B9-F18C6E4BFB35}" dt="2024-04-02T12:39:41.975" v="668" actId="26606"/>
+          <ac:spMkLst>
+            <pc:docMk/>
+            <pc:sldMk cId="195493370" sldId="263"/>
+            <ac:spMk id="35" creationId="{45E4AB72-1C42-427F-801C-32A12FD694C5}"/>
+          </ac:spMkLst>
+        </pc:spChg>
+        <pc:spChg chg="add del">
+          <ac:chgData name="RODRIGUEZ Enzo" userId="c7d9669b-353c-4586-b7b1-5ee7bcd74935" providerId="ADAL" clId="{A545601D-4F61-4D8C-99B9-F18C6E4BFB35}" dt="2024-04-02T12:39:41.975" v="668" actId="26606"/>
+          <ac:spMkLst>
+            <pc:docMk/>
+            <pc:sldMk cId="195493370" sldId="263"/>
+            <ac:spMk id="36" creationId="{1FF4CA73-8FFF-9A9E-ADE4-B6BAB25592C8}"/>
+          </ac:spMkLst>
+        </pc:spChg>
+        <pc:spChg chg="add del">
+          <ac:chgData name="RODRIGUEZ Enzo" userId="c7d9669b-353c-4586-b7b1-5ee7bcd74935" providerId="ADAL" clId="{A545601D-4F61-4D8C-99B9-F18C6E4BFB35}" dt="2024-04-02T12:39:41.975" v="668" actId="26606"/>
+          <ac:spMkLst>
+            <pc:docMk/>
+            <pc:sldMk cId="195493370" sldId="263"/>
+            <ac:spMk id="37" creationId="{4CC257D2-6895-4677-996F-1A5FBB7F7194}"/>
+          </ac:spMkLst>
+        </pc:spChg>
+        <pc:spChg chg="add del">
+          <ac:chgData name="RODRIGUEZ Enzo" userId="c7d9669b-353c-4586-b7b1-5ee7bcd74935" providerId="ADAL" clId="{A545601D-4F61-4D8C-99B9-F18C6E4BFB35}" dt="2024-04-02T12:39:41.975" v="668" actId="26606"/>
+          <ac:spMkLst>
+            <pc:docMk/>
+            <pc:sldMk cId="195493370" sldId="263"/>
+            <ac:spMk id="38" creationId="{4328FF51-22A9-49F6-8C79-1FFC470CA426}"/>
+          </ac:spMkLst>
+        </pc:spChg>
+        <pc:spChg chg="add">
+          <ac:chgData name="RODRIGUEZ Enzo" userId="c7d9669b-353c-4586-b7b1-5ee7bcd74935" providerId="ADAL" clId="{A545601D-4F61-4D8C-99B9-F18C6E4BFB35}" dt="2024-04-02T12:39:41.991" v="669" actId="26606"/>
+          <ac:spMkLst>
+            <pc:docMk/>
+            <pc:sldMk cId="195493370" sldId="263"/>
+            <ac:spMk id="40" creationId="{BD4C0BBB-0042-4603-A226-6117F3FD5B3C}"/>
+          </ac:spMkLst>
+        </pc:spChg>
+        <pc:spChg chg="add">
+          <ac:chgData name="RODRIGUEZ Enzo" userId="c7d9669b-353c-4586-b7b1-5ee7bcd74935" providerId="ADAL" clId="{A545601D-4F61-4D8C-99B9-F18C6E4BFB35}" dt="2024-04-02T12:39:41.991" v="669" actId="26606"/>
+          <ac:spMkLst>
+            <pc:docMk/>
+            <pc:sldMk cId="195493370" sldId="263"/>
+            <ac:spMk id="41" creationId="{EC44F520-2598-460E-9F91-B02F60830CA2}"/>
+          </ac:spMkLst>
+        </pc:spChg>
+        <pc:spChg chg="add">
+          <ac:chgData name="RODRIGUEZ Enzo" userId="c7d9669b-353c-4586-b7b1-5ee7bcd74935" providerId="ADAL" clId="{A545601D-4F61-4D8C-99B9-F18C6E4BFB35}" dt="2024-04-02T12:39:41.991" v="669" actId="26606"/>
+          <ac:spMkLst>
+            <pc:docMk/>
+            <pc:sldMk cId="195493370" sldId="263"/>
+            <ac:spMk id="42" creationId="{1DBC8414-BE7E-4B6C-A114-B2C3795C883F}"/>
+          </ac:spMkLst>
+        </pc:spChg>
+        <pc:spChg chg="add">
+          <ac:chgData name="RODRIGUEZ Enzo" userId="c7d9669b-353c-4586-b7b1-5ee7bcd74935" providerId="ADAL" clId="{A545601D-4F61-4D8C-99B9-F18C6E4BFB35}" dt="2024-04-02T12:39:41.991" v="669" actId="26606"/>
+          <ac:spMkLst>
+            <pc:docMk/>
+            <pc:sldMk cId="195493370" sldId="263"/>
+            <ac:spMk id="43" creationId="{0EC398C5-5C2E-4038-9DB3-DE2B5A9BEFFB}"/>
+          </ac:spMkLst>
+        </pc:spChg>
+        <pc:spChg chg="add">
+          <ac:chgData name="RODRIGUEZ Enzo" userId="c7d9669b-353c-4586-b7b1-5ee7bcd74935" providerId="ADAL" clId="{A545601D-4F61-4D8C-99B9-F18C6E4BFB35}" dt="2024-04-02T12:39:41.991" v="669" actId="26606"/>
+          <ac:spMkLst>
+            <pc:docMk/>
+            <pc:sldMk cId="195493370" sldId="263"/>
+            <ac:spMk id="44" creationId="{A2F10B26-073B-4B10-8AAA-161242DD82B0}"/>
+          </ac:spMkLst>
+        </pc:spChg>
+        <pc:spChg chg="add">
+          <ac:chgData name="RODRIGUEZ Enzo" userId="c7d9669b-353c-4586-b7b1-5ee7bcd74935" providerId="ADAL" clId="{A545601D-4F61-4D8C-99B9-F18C6E4BFB35}" dt="2024-04-02T12:39:41.991" v="669" actId="26606"/>
+          <ac:spMkLst>
+            <pc:docMk/>
+            <pc:sldMk cId="195493370" sldId="263"/>
+            <ac:spMk id="45" creationId="{610DBBC7-698F-4A54-B1CB-A99F9CC356DF}"/>
+          </ac:spMkLst>
+        </pc:spChg>
+        <pc:spChg chg="add">
+          <ac:chgData name="RODRIGUEZ Enzo" userId="c7d9669b-353c-4586-b7b1-5ee7bcd74935" providerId="ADAL" clId="{A545601D-4F61-4D8C-99B9-F18C6E4BFB35}" dt="2024-04-02T12:39:41.991" v="669" actId="26606"/>
+          <ac:spMkLst>
+            <pc:docMk/>
+            <pc:sldMk cId="195493370" sldId="263"/>
+            <ac:spMk id="46" creationId="{DE6E822A-8BCF-432C-83E6-BBE821476CD4}"/>
+          </ac:spMkLst>
+        </pc:spChg>
+        <pc:picChg chg="add mod ord">
+          <ac:chgData name="RODRIGUEZ Enzo" userId="c7d9669b-353c-4586-b7b1-5ee7bcd74935" providerId="ADAL" clId="{A545601D-4F61-4D8C-99B9-F18C6E4BFB35}" dt="2024-04-02T12:39:41.991" v="669" actId="26606"/>
+          <ac:picMkLst>
+            <pc:docMk/>
+            <pc:sldMk cId="195493370" sldId="263"/>
+            <ac:picMk id="5" creationId="{805904AD-AFAF-9594-4AA0-566534DAC044}"/>
+          </ac:picMkLst>
+        </pc:picChg>
+      </pc:sldChg>
+      <pc:sldChg chg="modSp new mod">
+        <pc:chgData name="RODRIGUEZ Enzo" userId="c7d9669b-353c-4586-b7b1-5ee7bcd74935" providerId="ADAL" clId="{A545601D-4F61-4D8C-99B9-F18C6E4BFB35}" dt="2024-04-02T12:44:20.865" v="1330" actId="20577"/>
+        <pc:sldMkLst>
+          <pc:docMk/>
+          <pc:sldMk cId="103087316" sldId="264"/>
+        </pc:sldMkLst>
+        <pc:spChg chg="mod">
+          <ac:chgData name="RODRIGUEZ Enzo" userId="c7d9669b-353c-4586-b7b1-5ee7bcd74935" providerId="ADAL" clId="{A545601D-4F61-4D8C-99B9-F18C6E4BFB35}" dt="2024-04-02T12:40:01.534" v="699" actId="20577"/>
+          <ac:spMkLst>
+            <pc:docMk/>
+            <pc:sldMk cId="103087316" sldId="264"/>
+            <ac:spMk id="2" creationId="{A4841A0E-8961-5A15-10F1-37D04AA8005A}"/>
+          </ac:spMkLst>
+        </pc:spChg>
+        <pc:spChg chg="mod">
+          <ac:chgData name="RODRIGUEZ Enzo" userId="c7d9669b-353c-4586-b7b1-5ee7bcd74935" providerId="ADAL" clId="{A545601D-4F61-4D8C-99B9-F18C6E4BFB35}" dt="2024-04-02T12:44:20.865" v="1330" actId="20577"/>
+          <ac:spMkLst>
+            <pc:docMk/>
+            <pc:sldMk cId="103087316" sldId="264"/>
+            <ac:spMk id="3" creationId="{3D2DC614-CB5B-03AB-D276-BE9F630CDD43}"/>
+          </ac:spMkLst>
+        </pc:spChg>
+      </pc:sldChg>
     </pc:docChg>
   </pc:docChgLst>
 </pc:chgInfo>
@@ -617,7 +1113,7 @@
           <a:p>
             <a:fld id="{655A5808-3B61-48CC-92EF-85AC2E0DFA56}" type="datetime2">
               <a:rPr lang="en-US" smtClean="0"/>
-              <a:t>Thursday, March 28, 2024</a:t>
+              <a:t>Tuesday, April 2, 2024</a:t>
             </a:fld>
             <a:endParaRPr lang="en-US"/>
           </a:p>
@@ -815,7 +1311,7 @@
           <a:p>
             <a:fld id="{735E98AF-4574-4509-BF7A-519ACD5BF826}" type="datetime2">
               <a:rPr lang="en-US" smtClean="0"/>
-              <a:t>Thursday, March 28, 2024</a:t>
+              <a:t>Tuesday, April 2, 2024</a:t>
             </a:fld>
             <a:endParaRPr lang="en-US"/>
           </a:p>
@@ -1025,7 +1521,7 @@
           <a:p>
             <a:fld id="{93DD97D4-9636-490F-85D0-E926C2B6F3B1}" type="datetime2">
               <a:rPr lang="en-US" smtClean="0"/>
-              <a:t>Thursday, March 28, 2024</a:t>
+              <a:t>Tuesday, April 2, 2024</a:t>
             </a:fld>
             <a:endParaRPr lang="en-US"/>
           </a:p>
@@ -1224,7 +1720,7 @@
           <a:p>
             <a:fld id="{2F3AF3C6-0FD4-4939-991C-00DDE5C56815}" type="datetime2">
               <a:rPr lang="en-US" smtClean="0"/>
-              <a:t>Thursday, March 28, 2024</a:t>
+              <a:t>Tuesday, April 2, 2024</a:t>
             </a:fld>
             <a:endParaRPr lang="en-US"/>
           </a:p>
@@ -1505,7 +2001,7 @@
           <a:p>
             <a:fld id="{86807482-8128-47C6-A8DD-6452B0291CFF}" type="datetime2">
               <a:rPr lang="en-US" smtClean="0"/>
-              <a:t>Thursday, March 28, 2024</a:t>
+              <a:t>Tuesday, April 2, 2024</a:t>
             </a:fld>
             <a:endParaRPr lang="en-US"/>
           </a:p>
@@ -1773,7 +2269,7 @@
           <a:p>
             <a:fld id="{37903F25-275E-41DE-BE3B-EBF0DB49F9B1}" type="datetime2">
               <a:rPr lang="en-US" smtClean="0"/>
-              <a:t>Thursday, March 28, 2024</a:t>
+              <a:t>Tuesday, April 2, 2024</a:t>
             </a:fld>
             <a:endParaRPr lang="en-US"/>
           </a:p>
@@ -2154,7 +2650,7 @@
           <a:p>
             <a:fld id="{EE475572-4A44-4171-84AA-64D42C8050A6}" type="datetime2">
               <a:rPr lang="en-US" smtClean="0"/>
-              <a:t>Thursday, March 28, 2024</a:t>
+              <a:t>Tuesday, April 2, 2024</a:t>
             </a:fld>
             <a:endParaRPr lang="en-US"/>
           </a:p>
@@ -2324,7 +2820,7 @@
           <a:p>
             <a:fld id="{C4C1612E-528E-4FD5-9E9E-E15F1108F171}" type="datetime2">
               <a:rPr lang="en-US" smtClean="0"/>
-              <a:t>Thursday, March 28, 2024</a:t>
+              <a:t>Tuesday, April 2, 2024</a:t>
             </a:fld>
             <a:endParaRPr lang="en-US"/>
           </a:p>
@@ -2437,7 +2933,7 @@
           <a:p>
             <a:fld id="{D4F6D862-A06D-436F-A92E-EBAAD50B6E50}" type="datetime2">
               <a:rPr lang="en-US" smtClean="0"/>
-              <a:t>Thursday, March 28, 2024</a:t>
+              <a:t>Tuesday, April 2, 2024</a:t>
             </a:fld>
             <a:endParaRPr lang="en-US"/>
           </a:p>
@@ -2754,7 +3250,7 @@
           <a:p>
             <a:fld id="{B73E0B7D-2260-4809-8F0A-9E5F3E24F169}" type="datetime2">
               <a:rPr lang="en-US" smtClean="0"/>
-              <a:t>Thursday, March 28, 2024</a:t>
+              <a:t>Tuesday, April 2, 2024</a:t>
             </a:fld>
             <a:endParaRPr lang="en-US"/>
           </a:p>
@@ -3046,7 +3542,7 @@
           <a:p>
             <a:fld id="{3C8E4735-C637-46A3-94EB-AB3AC4188D2F}" type="datetime2">
               <a:rPr lang="en-US" smtClean="0"/>
-              <a:t>Thursday, March 28, 2024</a:t>
+              <a:t>Tuesday, April 2, 2024</a:t>
             </a:fld>
             <a:endParaRPr lang="en-US"/>
           </a:p>
@@ -3414,7 +3910,7 @@
             <a:fld id="{AE0C963C-C1DB-4AFD-9DDC-0691666BF49B}" type="datetime2">
               <a:rPr lang="en-US" smtClean="0"/>
               <a:pPr/>
-              <a:t>Thursday, March 28, 2024</a:t>
+              <a:t>Tuesday, April 2, 2024</a:t>
             </a:fld>
             <a:endParaRPr lang="en-US" cap="all" dirty="0"/>
           </a:p>
@@ -4631,6 +5127,1979 @@
     <p:extLst>
       <p:ext uri="{BB962C8B-B14F-4D97-AF65-F5344CB8AC3E}">
         <p14:creationId xmlns:p14="http://schemas.microsoft.com/office/powerpoint/2010/main" val="3215853538"/>
+      </p:ext>
+    </p:extLst>
+  </p:cSld>
+  <p:clrMapOvr>
+    <a:masterClrMapping/>
+  </p:clrMapOvr>
+</p:sld>
+</file>
+
+<file path=ppt/slides/slide4.xml><?xml version="1.0" encoding="utf-8"?>
+<p:sld xmlns:a="http://schemas.openxmlformats.org/drawingml/2006/main" xmlns:r="http://schemas.openxmlformats.org/officeDocument/2006/relationships" xmlns:p="http://schemas.openxmlformats.org/presentationml/2006/main">
+  <p:cSld>
+    <p:spTree>
+      <p:nvGrpSpPr>
+        <p:cNvPr id="1" name=""/>
+        <p:cNvGrpSpPr/>
+        <p:nvPr/>
+      </p:nvGrpSpPr>
+      <p:grpSpPr>
+        <a:xfrm>
+          <a:off x="0" y="0"/>
+          <a:ext cx="0" cy="0"/>
+          <a:chOff x="0" y="0"/>
+          <a:chExt cx="0" cy="0"/>
+        </a:xfrm>
+      </p:grpSpPr>
+      <p:sp>
+        <p:nvSpPr>
+          <p:cNvPr id="2" name="Titre 1">
+            <a:extLst>
+              <a:ext uri="{FF2B5EF4-FFF2-40B4-BE49-F238E27FC236}">
+                <a16:creationId xmlns:a16="http://schemas.microsoft.com/office/drawing/2014/main" id="{14227E89-EB9E-5076-291F-8A3753104845}"/>
+              </a:ext>
+            </a:extLst>
+          </p:cNvPr>
+          <p:cNvSpPr>
+            <a:spLocks noGrp="1"/>
+          </p:cNvSpPr>
+          <p:nvPr>
+            <p:ph type="ctrTitle"/>
+          </p:nvPr>
+        </p:nvSpPr>
+        <p:spPr/>
+        <p:txBody>
+          <a:bodyPr/>
+          <a:lstStyle/>
+          <a:p>
+            <a:r>
+              <a:rPr lang="fr-FR" dirty="0"/>
+              <a:t>II. Comment mettre en place le </a:t>
+            </a:r>
+            <a:r>
+              <a:rPr lang="fr-FR" dirty="0" err="1"/>
+              <a:t>versionning</a:t>
+            </a:r>
+            <a:r>
+              <a:rPr lang="fr-FR" dirty="0"/>
+              <a:t> ?</a:t>
+            </a:r>
+          </a:p>
+        </p:txBody>
+      </p:sp>
+      <p:sp>
+        <p:nvSpPr>
+          <p:cNvPr id="3" name="Sous-titre 2">
+            <a:extLst>
+              <a:ext uri="{FF2B5EF4-FFF2-40B4-BE49-F238E27FC236}">
+                <a16:creationId xmlns:a16="http://schemas.microsoft.com/office/drawing/2014/main" id="{47A14EC5-2A03-7790-5D6A-0B341627EDF4}"/>
+              </a:ext>
+            </a:extLst>
+          </p:cNvPr>
+          <p:cNvSpPr>
+            <a:spLocks noGrp="1"/>
+          </p:cNvSpPr>
+          <p:nvPr>
+            <p:ph type="subTitle" idx="1"/>
+          </p:nvPr>
+        </p:nvSpPr>
+        <p:spPr/>
+        <p:txBody>
+          <a:bodyPr/>
+          <a:lstStyle/>
+          <a:p>
+            <a:r>
+              <a:rPr lang="fr-FR" dirty="0"/>
+              <a:t>Comment l’utiliser ?</a:t>
+            </a:r>
+          </a:p>
+        </p:txBody>
+      </p:sp>
+    </p:spTree>
+    <p:extLst>
+      <p:ext uri="{BB962C8B-B14F-4D97-AF65-F5344CB8AC3E}">
+        <p14:creationId xmlns:p14="http://schemas.microsoft.com/office/powerpoint/2010/main" val="334484936"/>
+      </p:ext>
+    </p:extLst>
+  </p:cSld>
+  <p:clrMapOvr>
+    <a:masterClrMapping/>
+  </p:clrMapOvr>
+</p:sld>
+</file>
+
+<file path=ppt/slides/slide5.xml><?xml version="1.0" encoding="utf-8"?>
+<p:sld xmlns:a="http://schemas.openxmlformats.org/drawingml/2006/main" xmlns:r="http://schemas.openxmlformats.org/officeDocument/2006/relationships" xmlns:p="http://schemas.openxmlformats.org/presentationml/2006/main">
+  <p:cSld>
+    <p:bg>
+      <p:bgPr>
+        <a:solidFill>
+          <a:schemeClr val="bg1"/>
+        </a:solidFill>
+        <a:effectLst/>
+      </p:bgPr>
+    </p:bg>
+    <p:spTree>
+      <p:nvGrpSpPr>
+        <p:cNvPr id="1" name=""/>
+        <p:cNvGrpSpPr/>
+        <p:nvPr/>
+      </p:nvGrpSpPr>
+      <p:grpSpPr>
+        <a:xfrm>
+          <a:off x="0" y="0"/>
+          <a:ext cx="0" cy="0"/>
+          <a:chOff x="0" y="0"/>
+          <a:chExt cx="0" cy="0"/>
+        </a:xfrm>
+      </p:grpSpPr>
+      <p:sp useBgFill="1">
+        <p:nvSpPr>
+          <p:cNvPr id="1033" name="Rectangle 1032">
+            <a:extLst>
+              <a:ext uri="{FF2B5EF4-FFF2-40B4-BE49-F238E27FC236}">
+                <a16:creationId xmlns:a16="http://schemas.microsoft.com/office/drawing/2014/main" id="{3346177D-ADC4-4968-B747-5CFCD390B5B9}"/>
+              </a:ext>
+              <a:ext uri="{C183D7F6-B498-43B3-948B-1728B52AA6E4}">
+                <adec:decorative xmlns:adec="http://schemas.microsoft.com/office/drawing/2017/decorative" val="1"/>
+              </a:ext>
+            </a:extLst>
+          </p:cNvPr>
+          <p:cNvSpPr>
+            <a:spLocks noGrp="1" noRot="1" noChangeAspect="1" noMove="1" noResize="1" noEditPoints="1" noAdjustHandles="1" noChangeArrowheads="1" noChangeShapeType="1" noTextEdit="1"/>
+          </p:cNvSpPr>
+          <p:nvPr>
+            <p:extLst>
+              <p:ext uri="{386F3935-93C4-4BCD-93E2-E3B085C9AB24}">
+                <p16:designElem xmlns:p16="http://schemas.microsoft.com/office/powerpoint/2015/main" val="1"/>
+              </p:ext>
+            </p:extLst>
+          </p:nvPr>
+        </p:nvSpPr>
+        <p:spPr>
+          <a:xfrm>
+            <a:off x="0" y="0"/>
+            <a:ext cx="12192000" cy="6858000"/>
+          </a:xfrm>
+          <a:prstGeom prst="rect">
+            <a:avLst/>
+          </a:prstGeom>
+          <a:ln w="12700" cap="flat" cmpd="sng" algn="ctr">
+            <a:noFill/>
+            <a:prstDash val="solid"/>
+            <a:miter lim="800000"/>
+          </a:ln>
+          <a:effectLst/>
+          <a:extLst>
+            <a:ext uri="{91240B29-F687-4F45-9708-019B960494DF}">
+              <a14:hiddenLine xmlns:a14="http://schemas.microsoft.com/office/drawing/2010/main" w="12700" cap="flat" cmpd="sng" algn="ctr">
+                <a:solidFill>
+                  <a:schemeClr val="accent1">
+                    <a:shade val="50000"/>
+                  </a:schemeClr>
+                </a:solidFill>
+                <a:prstDash val="solid"/>
+                <a:miter lim="800000"/>
+              </a14:hiddenLine>
+            </a:ext>
+          </a:extLst>
+        </p:spPr>
+        <p:style>
+          <a:lnRef idx="2">
+            <a:schemeClr val="accent1">
+              <a:shade val="50000"/>
+            </a:schemeClr>
+          </a:lnRef>
+          <a:fillRef idx="1">
+            <a:schemeClr val="accent1"/>
+          </a:fillRef>
+          <a:effectRef idx="0">
+            <a:schemeClr val="accent1"/>
+          </a:effectRef>
+          <a:fontRef idx="minor">
+            <a:schemeClr val="lt1"/>
+          </a:fontRef>
+        </p:style>
+        <p:txBody>
+          <a:bodyPr rtlCol="0" anchor="ctr"/>
+          <a:lstStyle/>
+          <a:p>
+            <a:pPr algn="ctr"/>
+            <a:endParaRPr lang="en-US"/>
+          </a:p>
+        </p:txBody>
+      </p:sp>
+      <p:sp>
+        <p:nvSpPr>
+          <p:cNvPr id="2" name="Titre 1">
+            <a:extLst>
+              <a:ext uri="{FF2B5EF4-FFF2-40B4-BE49-F238E27FC236}">
+                <a16:creationId xmlns:a16="http://schemas.microsoft.com/office/drawing/2014/main" id="{DE20AB3A-2F61-8C42-0E65-0B47DC9C4E89}"/>
+              </a:ext>
+            </a:extLst>
+          </p:cNvPr>
+          <p:cNvSpPr>
+            <a:spLocks noGrp="1"/>
+          </p:cNvSpPr>
+          <p:nvPr>
+            <p:ph type="title"/>
+          </p:nvPr>
+        </p:nvSpPr>
+        <p:spPr>
+          <a:xfrm>
+            <a:off x="5784899" y="918640"/>
+            <a:ext cx="5398915" cy="1741434"/>
+          </a:xfrm>
+        </p:spPr>
+        <p:txBody>
+          <a:bodyPr anchor="t">
+            <a:normAutofit/>
+          </a:bodyPr>
+          <a:lstStyle/>
+          <a:p>
+            <a:r>
+              <a:rPr lang="fr-FR" dirty="0"/>
+              <a:t>GIT</a:t>
+            </a:r>
+          </a:p>
+        </p:txBody>
+      </p:sp>
+      <p:pic>
+        <p:nvPicPr>
+          <p:cNvPr id="1028" name="Picture 4" descr="Git - Apprendre à utiliser Git - Devops - Les commande Git -">
+            <a:extLst>
+              <a:ext uri="{FF2B5EF4-FFF2-40B4-BE49-F238E27FC236}">
+                <a16:creationId xmlns:a16="http://schemas.microsoft.com/office/drawing/2014/main" id="{95DD639D-4579-AE09-BD29-247A9E8064CB}"/>
+              </a:ext>
+            </a:extLst>
+          </p:cNvPr>
+          <p:cNvPicPr>
+            <a:picLocks noChangeAspect="1" noChangeArrowheads="1"/>
+          </p:cNvPicPr>
+          <p:nvPr/>
+        </p:nvPicPr>
+        <p:blipFill rotWithShape="1">
+          <a:blip r:embed="rId2">
+            <a:extLst>
+              <a:ext uri="{28A0092B-C50C-407E-A947-70E740481C1C}">
+                <a14:useLocalDpi xmlns:a14="http://schemas.microsoft.com/office/drawing/2010/main" val="0"/>
+              </a:ext>
+            </a:extLst>
+          </a:blip>
+          <a:srcRect l="25044" r="28996" b="-1"/>
+          <a:stretch/>
+        </p:blipFill>
+        <p:spPr bwMode="auto">
+          <a:xfrm>
+            <a:off x="954367" y="1092811"/>
+            <a:ext cx="3876165" cy="4338170"/>
+          </a:xfrm>
+          <a:prstGeom prst="rect">
+            <a:avLst/>
+          </a:prstGeom>
+          <a:noFill/>
+          <a:extLst>
+            <a:ext uri="{909E8E84-426E-40DD-AFC4-6F175D3DCCD1}">
+              <a14:hiddenFill xmlns:a14="http://schemas.microsoft.com/office/drawing/2010/main">
+                <a:solidFill>
+                  <a:srgbClr val="FFFFFF"/>
+                </a:solidFill>
+              </a14:hiddenFill>
+            </a:ext>
+          </a:extLst>
+        </p:spPr>
+      </p:pic>
+      <p:sp>
+        <p:nvSpPr>
+          <p:cNvPr id="3" name="Espace réservé du contenu 2">
+            <a:extLst>
+              <a:ext uri="{FF2B5EF4-FFF2-40B4-BE49-F238E27FC236}">
+                <a16:creationId xmlns:a16="http://schemas.microsoft.com/office/drawing/2014/main" id="{F06C7F2B-69C1-3C3D-5048-9C6EFAB82DC6}"/>
+              </a:ext>
+            </a:extLst>
+          </p:cNvPr>
+          <p:cNvSpPr>
+            <a:spLocks noGrp="1"/>
+          </p:cNvSpPr>
+          <p:nvPr>
+            <p:ph idx="1"/>
+          </p:nvPr>
+        </p:nvSpPr>
+        <p:spPr>
+          <a:xfrm>
+            <a:off x="5784900" y="2999432"/>
+            <a:ext cx="5566497" cy="2431549"/>
+          </a:xfrm>
+        </p:spPr>
+        <p:txBody>
+          <a:bodyPr anchor="t">
+            <a:normAutofit/>
+          </a:bodyPr>
+          <a:lstStyle/>
+          <a:p>
+            <a:r>
+              <a:rPr lang="fr-FR" sz="1600" dirty="0"/>
+              <a:t>Un service de </a:t>
+            </a:r>
+            <a:r>
+              <a:rPr lang="fr-FR" sz="1600" dirty="0" err="1"/>
+              <a:t>versionning</a:t>
+            </a:r>
+            <a:r>
+              <a:rPr lang="fr-FR" sz="1600" dirty="0"/>
+              <a:t> gratuit et open source</a:t>
+            </a:r>
+          </a:p>
+          <a:p>
+            <a:r>
+              <a:rPr lang="fr-FR" sz="1600" dirty="0"/>
+              <a:t>Utilisé dans un invite de commande</a:t>
+            </a:r>
+          </a:p>
+          <a:p>
+            <a:r>
+              <a:rPr lang="fr-FR" sz="1600" dirty="0"/>
+              <a:t>Permet de revenir en arrière même après la suppression de fichiers</a:t>
+            </a:r>
+          </a:p>
+          <a:p>
+            <a:r>
+              <a:rPr lang="fr-FR" sz="1600" dirty="0"/>
+              <a:t>Intégré dans </a:t>
+            </a:r>
+            <a:r>
+              <a:rPr lang="fr-FR" sz="1600" dirty="0" err="1"/>
+              <a:t>visual</a:t>
+            </a:r>
+            <a:r>
+              <a:rPr lang="fr-FR" sz="1600" dirty="0"/>
+              <a:t> studio code par défaut</a:t>
+            </a:r>
+          </a:p>
+        </p:txBody>
+      </p:sp>
+      <p:sp>
+        <p:nvSpPr>
+          <p:cNvPr id="1035" name="Rectangle 1034">
+            <a:extLst>
+              <a:ext uri="{FF2B5EF4-FFF2-40B4-BE49-F238E27FC236}">
+                <a16:creationId xmlns:a16="http://schemas.microsoft.com/office/drawing/2014/main" id="{57279BCC-714F-432D-B1E1-DD2CF7507729}"/>
+              </a:ext>
+              <a:ext uri="{C183D7F6-B498-43B3-948B-1728B52AA6E4}">
+                <adec:decorative xmlns:adec="http://schemas.microsoft.com/office/drawing/2017/decorative" val="1"/>
+              </a:ext>
+            </a:extLst>
+          </p:cNvPr>
+          <p:cNvSpPr>
+            <a:spLocks noGrp="1" noRot="1" noChangeAspect="1" noMove="1" noResize="1" noEditPoints="1" noAdjustHandles="1" noChangeArrowheads="1" noChangeShapeType="1" noTextEdit="1"/>
+          </p:cNvSpPr>
+          <p:nvPr>
+            <p:extLst>
+              <p:ext uri="{386F3935-93C4-4BCD-93E2-E3B085C9AB24}">
+                <p16:designElem xmlns:p16="http://schemas.microsoft.com/office/powerpoint/2015/main" val="1"/>
+              </p:ext>
+            </p:extLst>
+          </p:nvPr>
+        </p:nvSpPr>
+        <p:spPr>
+          <a:xfrm rot="10800000" flipH="1">
+            <a:off x="0" y="6400799"/>
+            <a:ext cx="12192000" cy="456773"/>
+          </a:xfrm>
+          <a:prstGeom prst="rect">
+            <a:avLst/>
+          </a:prstGeom>
+          <a:gradFill>
+            <a:gsLst>
+              <a:gs pos="14000">
+                <a:schemeClr val="accent4">
+                  <a:alpha val="28000"/>
+                </a:schemeClr>
+              </a:gs>
+              <a:gs pos="100000">
+                <a:schemeClr val="accent5">
+                  <a:alpha val="85000"/>
+                </a:schemeClr>
+              </a:gs>
+            </a:gsLst>
+            <a:lin ang="6000000" scaled="0"/>
+          </a:gradFill>
+          <a:ln>
+            <a:noFill/>
+          </a:ln>
+        </p:spPr>
+        <p:style>
+          <a:lnRef idx="2">
+            <a:schemeClr val="accent1">
+              <a:shade val="50000"/>
+            </a:schemeClr>
+          </a:lnRef>
+          <a:fillRef idx="1">
+            <a:schemeClr val="accent1"/>
+          </a:fillRef>
+          <a:effectRef idx="0">
+            <a:schemeClr val="accent1"/>
+          </a:effectRef>
+          <a:fontRef idx="minor">
+            <a:schemeClr val="lt1"/>
+          </a:fontRef>
+        </p:style>
+        <p:txBody>
+          <a:bodyPr rtlCol="0" anchor="ctr"/>
+          <a:lstStyle/>
+          <a:p>
+            <a:pPr algn="ctr"/>
+            <a:endParaRPr lang="en-US"/>
+          </a:p>
+        </p:txBody>
+      </p:sp>
+      <p:sp>
+        <p:nvSpPr>
+          <p:cNvPr id="1037" name="Rectangle 1036">
+            <a:extLst>
+              <a:ext uri="{FF2B5EF4-FFF2-40B4-BE49-F238E27FC236}">
+                <a16:creationId xmlns:a16="http://schemas.microsoft.com/office/drawing/2014/main" id="{0D678D00-BED9-4B8A-8AE6-A1050EE5F243}"/>
+              </a:ext>
+              <a:ext uri="{C183D7F6-B498-43B3-948B-1728B52AA6E4}">
+                <adec:decorative xmlns:adec="http://schemas.microsoft.com/office/drawing/2017/decorative" val="1"/>
+              </a:ext>
+            </a:extLst>
+          </p:cNvPr>
+          <p:cNvSpPr>
+            <a:spLocks noGrp="1" noRot="1" noChangeAspect="1" noMove="1" noResize="1" noEditPoints="1" noAdjustHandles="1" noChangeArrowheads="1" noChangeShapeType="1" noTextEdit="1"/>
+          </p:cNvSpPr>
+          <p:nvPr>
+            <p:extLst>
+              <p:ext uri="{386F3935-93C4-4BCD-93E2-E3B085C9AB24}">
+                <p16:designElem xmlns:p16="http://schemas.microsoft.com/office/powerpoint/2015/main" val="1"/>
+              </p:ext>
+            </p:extLst>
+          </p:nvPr>
+        </p:nvSpPr>
+        <p:spPr>
+          <a:xfrm flipH="1">
+            <a:off x="4038600" y="6400799"/>
+            <a:ext cx="8153398" cy="456772"/>
+          </a:xfrm>
+          <a:prstGeom prst="rect">
+            <a:avLst/>
+          </a:prstGeom>
+          <a:gradFill>
+            <a:gsLst>
+              <a:gs pos="9000">
+                <a:schemeClr val="accent2">
+                  <a:lumMod val="60000"/>
+                  <a:lumOff val="40000"/>
+                  <a:alpha val="54000"/>
+                </a:schemeClr>
+              </a:gs>
+              <a:gs pos="99000">
+                <a:schemeClr val="accent2"/>
+              </a:gs>
+            </a:gsLst>
+            <a:lin ang="14400000" scaled="0"/>
+          </a:gradFill>
+          <a:ln>
+            <a:noFill/>
+          </a:ln>
+        </p:spPr>
+        <p:style>
+          <a:lnRef idx="2">
+            <a:schemeClr val="accent1">
+              <a:shade val="50000"/>
+            </a:schemeClr>
+          </a:lnRef>
+          <a:fillRef idx="1">
+            <a:schemeClr val="accent1"/>
+          </a:fillRef>
+          <a:effectRef idx="0">
+            <a:schemeClr val="accent1"/>
+          </a:effectRef>
+          <a:fontRef idx="minor">
+            <a:schemeClr val="lt1"/>
+          </a:fontRef>
+        </p:style>
+        <p:txBody>
+          <a:bodyPr rtlCol="0" anchor="ctr"/>
+          <a:lstStyle/>
+          <a:p>
+            <a:pPr algn="ctr"/>
+            <a:endParaRPr lang="en-US"/>
+          </a:p>
+        </p:txBody>
+      </p:sp>
+    </p:spTree>
+    <p:extLst>
+      <p:ext uri="{BB962C8B-B14F-4D97-AF65-F5344CB8AC3E}">
+        <p14:creationId xmlns:p14="http://schemas.microsoft.com/office/powerpoint/2010/main" val="2984980206"/>
+      </p:ext>
+    </p:extLst>
+  </p:cSld>
+  <p:clrMapOvr>
+    <a:masterClrMapping/>
+  </p:clrMapOvr>
+</p:sld>
+</file>
+
+<file path=ppt/slides/slide6.xml><?xml version="1.0" encoding="utf-8"?>
+<p:sld xmlns:a="http://schemas.openxmlformats.org/drawingml/2006/main" xmlns:r="http://schemas.openxmlformats.org/officeDocument/2006/relationships" xmlns:p="http://schemas.openxmlformats.org/presentationml/2006/main">
+  <p:cSld>
+    <p:bg>
+      <p:bgPr>
+        <a:solidFill>
+          <a:schemeClr val="bg1"/>
+        </a:solidFill>
+        <a:effectLst/>
+      </p:bgPr>
+    </p:bg>
+    <p:spTree>
+      <p:nvGrpSpPr>
+        <p:cNvPr id="1" name=""/>
+        <p:cNvGrpSpPr/>
+        <p:nvPr/>
+      </p:nvGrpSpPr>
+      <p:grpSpPr>
+        <a:xfrm>
+          <a:off x="0" y="0"/>
+          <a:ext cx="0" cy="0"/>
+          <a:chOff x="0" y="0"/>
+          <a:chExt cx="0" cy="0"/>
+        </a:xfrm>
+      </p:grpSpPr>
+      <p:sp>
+        <p:nvSpPr>
+          <p:cNvPr id="40" name="Rectangle 9">
+            <a:extLst>
+              <a:ext uri="{FF2B5EF4-FFF2-40B4-BE49-F238E27FC236}">
+                <a16:creationId xmlns:a16="http://schemas.microsoft.com/office/drawing/2014/main" id="{BD4C0BBB-0042-4603-A226-6117F3FD5B3C}"/>
+              </a:ext>
+              <a:ext uri="{C183D7F6-B498-43B3-948B-1728B52AA6E4}">
+                <adec:decorative xmlns:adec="http://schemas.microsoft.com/office/drawing/2017/decorative" val="1"/>
+              </a:ext>
+            </a:extLst>
+          </p:cNvPr>
+          <p:cNvSpPr>
+            <a:spLocks noGrp="1" noRot="1" noChangeAspect="1" noMove="1" noResize="1" noEditPoints="1" noAdjustHandles="1" noChangeArrowheads="1" noChangeShapeType="1" noTextEdit="1"/>
+          </p:cNvSpPr>
+          <p:nvPr>
+            <p:extLst>
+              <p:ext uri="{386F3935-93C4-4BCD-93E2-E3B085C9AB24}">
+                <p16:designElem xmlns:p16="http://schemas.microsoft.com/office/powerpoint/2015/main" val="1"/>
+              </p:ext>
+            </p:extLst>
+          </p:nvPr>
+        </p:nvSpPr>
+        <p:spPr>
+          <a:xfrm rot="10800000" flipH="1">
+            <a:off x="0" y="6400799"/>
+            <a:ext cx="12192000" cy="456773"/>
+          </a:xfrm>
+          <a:prstGeom prst="rect">
+            <a:avLst/>
+          </a:prstGeom>
+          <a:gradFill>
+            <a:gsLst>
+              <a:gs pos="14000">
+                <a:schemeClr val="accent4">
+                  <a:alpha val="28000"/>
+                </a:schemeClr>
+              </a:gs>
+              <a:gs pos="100000">
+                <a:schemeClr val="accent5">
+                  <a:alpha val="85000"/>
+                </a:schemeClr>
+              </a:gs>
+            </a:gsLst>
+            <a:lin ang="6000000" scaled="0"/>
+          </a:gradFill>
+          <a:ln>
+            <a:noFill/>
+          </a:ln>
+        </p:spPr>
+        <p:style>
+          <a:lnRef idx="2">
+            <a:schemeClr val="accent1">
+              <a:shade val="50000"/>
+            </a:schemeClr>
+          </a:lnRef>
+          <a:fillRef idx="1">
+            <a:schemeClr val="accent1"/>
+          </a:fillRef>
+          <a:effectRef idx="0">
+            <a:schemeClr val="accent1"/>
+          </a:effectRef>
+          <a:fontRef idx="minor">
+            <a:schemeClr val="lt1"/>
+          </a:fontRef>
+        </p:style>
+        <p:txBody>
+          <a:bodyPr rtlCol="0" anchor="ctr"/>
+          <a:lstStyle/>
+          <a:p>
+            <a:pPr algn="ctr"/>
+            <a:endParaRPr lang="en-US"/>
+          </a:p>
+        </p:txBody>
+      </p:sp>
+      <p:sp>
+        <p:nvSpPr>
+          <p:cNvPr id="41" name="Rectangle 11">
+            <a:extLst>
+              <a:ext uri="{FF2B5EF4-FFF2-40B4-BE49-F238E27FC236}">
+                <a16:creationId xmlns:a16="http://schemas.microsoft.com/office/drawing/2014/main" id="{EC44F520-2598-460E-9F91-B02F60830CA2}"/>
+              </a:ext>
+              <a:ext uri="{C183D7F6-B498-43B3-948B-1728B52AA6E4}">
+                <adec:decorative xmlns:adec="http://schemas.microsoft.com/office/drawing/2017/decorative" val="1"/>
+              </a:ext>
+            </a:extLst>
+          </p:cNvPr>
+          <p:cNvSpPr>
+            <a:spLocks noGrp="1" noRot="1" noChangeAspect="1" noMove="1" noResize="1" noEditPoints="1" noAdjustHandles="1" noChangeArrowheads="1" noChangeShapeType="1" noTextEdit="1"/>
+          </p:cNvSpPr>
+          <p:nvPr>
+            <p:extLst>
+              <p:ext uri="{386F3935-93C4-4BCD-93E2-E3B085C9AB24}">
+                <p16:designElem xmlns:p16="http://schemas.microsoft.com/office/powerpoint/2015/main" val="1"/>
+              </p:ext>
+            </p:extLst>
+          </p:nvPr>
+        </p:nvSpPr>
+        <p:spPr>
+          <a:xfrm flipH="1">
+            <a:off x="4038600" y="6400799"/>
+            <a:ext cx="8153398" cy="456772"/>
+          </a:xfrm>
+          <a:prstGeom prst="rect">
+            <a:avLst/>
+          </a:prstGeom>
+          <a:gradFill>
+            <a:gsLst>
+              <a:gs pos="9000">
+                <a:schemeClr val="accent2">
+                  <a:lumMod val="60000"/>
+                  <a:lumOff val="40000"/>
+                  <a:alpha val="55000"/>
+                </a:schemeClr>
+              </a:gs>
+              <a:gs pos="99000">
+                <a:schemeClr val="accent2"/>
+              </a:gs>
+            </a:gsLst>
+            <a:lin ang="14400000" scaled="0"/>
+          </a:gradFill>
+          <a:ln>
+            <a:noFill/>
+          </a:ln>
+        </p:spPr>
+        <p:style>
+          <a:lnRef idx="2">
+            <a:schemeClr val="accent1">
+              <a:shade val="50000"/>
+            </a:schemeClr>
+          </a:lnRef>
+          <a:fillRef idx="1">
+            <a:schemeClr val="accent1"/>
+          </a:fillRef>
+          <a:effectRef idx="0">
+            <a:schemeClr val="accent1"/>
+          </a:effectRef>
+          <a:fontRef idx="minor">
+            <a:schemeClr val="lt1"/>
+          </a:fontRef>
+        </p:style>
+        <p:txBody>
+          <a:bodyPr rtlCol="0" anchor="ctr"/>
+          <a:lstStyle/>
+          <a:p>
+            <a:pPr algn="ctr"/>
+            <a:endParaRPr lang="en-US"/>
+          </a:p>
+        </p:txBody>
+      </p:sp>
+      <p:sp useBgFill="1">
+        <p:nvSpPr>
+          <p:cNvPr id="42" name="Rectangle 13">
+            <a:extLst>
+              <a:ext uri="{FF2B5EF4-FFF2-40B4-BE49-F238E27FC236}">
+                <a16:creationId xmlns:a16="http://schemas.microsoft.com/office/drawing/2014/main" id="{1DBC8414-BE7E-4B6C-A114-B2C3795C883F}"/>
+              </a:ext>
+              <a:ext uri="{C183D7F6-B498-43B3-948B-1728B52AA6E4}">
+                <adec:decorative xmlns:adec="http://schemas.microsoft.com/office/drawing/2017/decorative" val="1"/>
+              </a:ext>
+            </a:extLst>
+          </p:cNvPr>
+          <p:cNvSpPr>
+            <a:spLocks noGrp="1" noRot="1" noChangeAspect="1" noMove="1" noResize="1" noEditPoints="1" noAdjustHandles="1" noChangeArrowheads="1" noChangeShapeType="1" noTextEdit="1"/>
+          </p:cNvSpPr>
+          <p:nvPr>
+            <p:extLst>
+              <p:ext uri="{386F3935-93C4-4BCD-93E2-E3B085C9AB24}">
+                <p16:designElem xmlns:p16="http://schemas.microsoft.com/office/powerpoint/2015/main" val="1"/>
+              </p:ext>
+            </p:extLst>
+          </p:nvPr>
+        </p:nvSpPr>
+        <p:spPr>
+          <a:xfrm>
+            <a:off x="0" y="0"/>
+            <a:ext cx="12192000" cy="6858000"/>
+          </a:xfrm>
+          <a:prstGeom prst="rect">
+            <a:avLst/>
+          </a:prstGeom>
+          <a:ln w="12700" cap="flat" cmpd="sng" algn="ctr">
+            <a:noFill/>
+            <a:prstDash val="solid"/>
+            <a:miter lim="800000"/>
+          </a:ln>
+          <a:effectLst/>
+          <a:extLst>
+            <a:ext uri="{91240B29-F687-4F45-9708-019B960494DF}">
+              <a14:hiddenLine xmlns:a14="http://schemas.microsoft.com/office/drawing/2010/main" w="12700" cap="flat" cmpd="sng" algn="ctr">
+                <a:solidFill>
+                  <a:schemeClr val="accent1">
+                    <a:shade val="50000"/>
+                  </a:schemeClr>
+                </a:solidFill>
+                <a:prstDash val="solid"/>
+                <a:miter lim="800000"/>
+              </a14:hiddenLine>
+            </a:ext>
+          </a:extLst>
+        </p:spPr>
+        <p:style>
+          <a:lnRef idx="2">
+            <a:schemeClr val="accent1">
+              <a:shade val="50000"/>
+            </a:schemeClr>
+          </a:lnRef>
+          <a:fillRef idx="1">
+            <a:schemeClr val="accent1"/>
+          </a:fillRef>
+          <a:effectRef idx="0">
+            <a:schemeClr val="accent1"/>
+          </a:effectRef>
+          <a:fontRef idx="minor">
+            <a:schemeClr val="lt1"/>
+          </a:fontRef>
+        </p:style>
+        <p:txBody>
+          <a:bodyPr rtlCol="0" anchor="ctr"/>
+          <a:lstStyle/>
+          <a:p>
+            <a:pPr algn="ctr"/>
+            <a:endParaRPr lang="en-US"/>
+          </a:p>
+        </p:txBody>
+      </p:sp>
+      <p:sp>
+        <p:nvSpPr>
+          <p:cNvPr id="43" name="Rectangle 15">
+            <a:extLst>
+              <a:ext uri="{FF2B5EF4-FFF2-40B4-BE49-F238E27FC236}">
+                <a16:creationId xmlns:a16="http://schemas.microsoft.com/office/drawing/2014/main" id="{0EC398C5-5C2E-4038-9DB3-DE2B5A9BEFFB}"/>
+              </a:ext>
+              <a:ext uri="{C183D7F6-B498-43B3-948B-1728B52AA6E4}">
+                <adec:decorative xmlns:adec="http://schemas.microsoft.com/office/drawing/2017/decorative" val="1"/>
+              </a:ext>
+            </a:extLst>
+          </p:cNvPr>
+          <p:cNvSpPr>
+            <a:spLocks noGrp="1" noRot="1" noChangeAspect="1" noMove="1" noResize="1" noEditPoints="1" noAdjustHandles="1" noChangeArrowheads="1" noChangeShapeType="1" noTextEdit="1"/>
+          </p:cNvSpPr>
+          <p:nvPr>
+            <p:extLst>
+              <p:ext uri="{386F3935-93C4-4BCD-93E2-E3B085C9AB24}">
+                <p16:designElem xmlns:p16="http://schemas.microsoft.com/office/powerpoint/2015/main" val="1"/>
+              </p:ext>
+            </p:extLst>
+          </p:nvPr>
+        </p:nvSpPr>
+        <p:spPr>
+          <a:xfrm rot="5400000" flipH="1">
+            <a:off x="-1409318" y="1410082"/>
+            <a:ext cx="6858000" cy="4037835"/>
+          </a:xfrm>
+          <a:prstGeom prst="rect">
+            <a:avLst/>
+          </a:prstGeom>
+          <a:gradFill>
+            <a:gsLst>
+              <a:gs pos="8000">
+                <a:schemeClr val="accent6"/>
+              </a:gs>
+              <a:gs pos="100000">
+                <a:schemeClr val="accent5">
+                  <a:alpha val="89000"/>
+                </a:schemeClr>
+              </a:gs>
+            </a:gsLst>
+            <a:lin ang="3000000" scaled="0"/>
+          </a:gradFill>
+          <a:ln>
+            <a:noFill/>
+          </a:ln>
+        </p:spPr>
+        <p:style>
+          <a:lnRef idx="2">
+            <a:schemeClr val="accent1">
+              <a:shade val="50000"/>
+            </a:schemeClr>
+          </a:lnRef>
+          <a:fillRef idx="1">
+            <a:schemeClr val="accent1"/>
+          </a:fillRef>
+          <a:effectRef idx="0">
+            <a:schemeClr val="accent1"/>
+          </a:effectRef>
+          <a:fontRef idx="minor">
+            <a:schemeClr val="lt1"/>
+          </a:fontRef>
+        </p:style>
+        <p:txBody>
+          <a:bodyPr rtlCol="0" anchor="ctr"/>
+          <a:lstStyle/>
+          <a:p>
+            <a:pPr algn="ctr"/>
+            <a:endParaRPr lang="en-US"/>
+          </a:p>
+        </p:txBody>
+      </p:sp>
+      <p:sp>
+        <p:nvSpPr>
+          <p:cNvPr id="44" name="Rectangle 17">
+            <a:extLst>
+              <a:ext uri="{FF2B5EF4-FFF2-40B4-BE49-F238E27FC236}">
+                <a16:creationId xmlns:a16="http://schemas.microsoft.com/office/drawing/2014/main" id="{A2F10B26-073B-4B10-8AAA-161242DD82B0}"/>
+              </a:ext>
+              <a:ext uri="{C183D7F6-B498-43B3-948B-1728B52AA6E4}">
+                <adec:decorative xmlns:adec="http://schemas.microsoft.com/office/drawing/2017/decorative" val="1"/>
+              </a:ext>
+            </a:extLst>
+          </p:cNvPr>
+          <p:cNvSpPr>
+            <a:spLocks noGrp="1" noRot="1" noChangeAspect="1" noMove="1" noResize="1" noEditPoints="1" noAdjustHandles="1" noChangeArrowheads="1" noChangeShapeType="1" noTextEdit="1"/>
+          </p:cNvSpPr>
+          <p:nvPr>
+            <p:extLst>
+              <p:ext uri="{386F3935-93C4-4BCD-93E2-E3B085C9AB24}">
+                <p16:designElem xmlns:p16="http://schemas.microsoft.com/office/powerpoint/2015/main" val="1"/>
+              </p:ext>
+            </p:extLst>
+          </p:nvPr>
+        </p:nvSpPr>
+        <p:spPr>
+          <a:xfrm rot="5400000" flipH="1">
+            <a:off x="-1153806" y="1153804"/>
+            <a:ext cx="6346209" cy="4038601"/>
+          </a:xfrm>
+          <a:prstGeom prst="rect">
+            <a:avLst/>
+          </a:prstGeom>
+          <a:gradFill>
+            <a:gsLst>
+              <a:gs pos="0">
+                <a:schemeClr val="accent5">
+                  <a:lumMod val="60000"/>
+                  <a:lumOff val="40000"/>
+                  <a:alpha val="0"/>
+                </a:schemeClr>
+              </a:gs>
+              <a:gs pos="99000">
+                <a:schemeClr val="accent2">
+                  <a:alpha val="92000"/>
+                </a:schemeClr>
+              </a:gs>
+            </a:gsLst>
+            <a:lin ang="1800000" scaled="0"/>
+          </a:gradFill>
+          <a:ln>
+            <a:noFill/>
+          </a:ln>
+        </p:spPr>
+        <p:style>
+          <a:lnRef idx="2">
+            <a:schemeClr val="accent1">
+              <a:shade val="50000"/>
+            </a:schemeClr>
+          </a:lnRef>
+          <a:fillRef idx="1">
+            <a:schemeClr val="accent1"/>
+          </a:fillRef>
+          <a:effectRef idx="0">
+            <a:schemeClr val="accent1"/>
+          </a:effectRef>
+          <a:fontRef idx="minor">
+            <a:schemeClr val="lt1"/>
+          </a:fontRef>
+        </p:style>
+        <p:txBody>
+          <a:bodyPr rtlCol="0" anchor="ctr"/>
+          <a:lstStyle/>
+          <a:p>
+            <a:pPr algn="ctr"/>
+            <a:endParaRPr lang="en-US"/>
+          </a:p>
+        </p:txBody>
+      </p:sp>
+      <p:sp>
+        <p:nvSpPr>
+          <p:cNvPr id="45" name="Rectangle 19">
+            <a:extLst>
+              <a:ext uri="{FF2B5EF4-FFF2-40B4-BE49-F238E27FC236}">
+                <a16:creationId xmlns:a16="http://schemas.microsoft.com/office/drawing/2014/main" id="{610DBBC7-698F-4A54-B1CB-A99F9CC356DF}"/>
+              </a:ext>
+              <a:ext uri="{C183D7F6-B498-43B3-948B-1728B52AA6E4}">
+                <adec:decorative xmlns:adec="http://schemas.microsoft.com/office/drawing/2017/decorative" val="1"/>
+              </a:ext>
+            </a:extLst>
+          </p:cNvPr>
+          <p:cNvSpPr>
+            <a:spLocks noGrp="1" noRot="1" noChangeAspect="1" noMove="1" noResize="1" noEditPoints="1" noAdjustHandles="1" noChangeArrowheads="1" noChangeShapeType="1" noTextEdit="1"/>
+          </p:cNvSpPr>
+          <p:nvPr>
+            <p:extLst>
+              <p:ext uri="{386F3935-93C4-4BCD-93E2-E3B085C9AB24}">
+                <p16:designElem xmlns:p16="http://schemas.microsoft.com/office/powerpoint/2015/main" val="1"/>
+              </p:ext>
+            </p:extLst>
+          </p:nvPr>
+        </p:nvSpPr>
+        <p:spPr>
+          <a:xfrm rot="5400000" flipH="1">
+            <a:off x="759574" y="3578975"/>
+            <a:ext cx="2502407" cy="4055644"/>
+          </a:xfrm>
+          <a:prstGeom prst="rect">
+            <a:avLst/>
+          </a:prstGeom>
+          <a:gradFill>
+            <a:gsLst>
+              <a:gs pos="2000">
+                <a:schemeClr val="accent5">
+                  <a:alpha val="28000"/>
+                </a:schemeClr>
+              </a:gs>
+              <a:gs pos="100000">
+                <a:schemeClr val="accent4">
+                  <a:alpha val="0"/>
+                </a:schemeClr>
+              </a:gs>
+            </a:gsLst>
+            <a:lin ang="7800000" scaled="0"/>
+          </a:gradFill>
+          <a:ln>
+            <a:noFill/>
+          </a:ln>
+        </p:spPr>
+        <p:style>
+          <a:lnRef idx="2">
+            <a:schemeClr val="accent1">
+              <a:shade val="50000"/>
+            </a:schemeClr>
+          </a:lnRef>
+          <a:fillRef idx="1">
+            <a:schemeClr val="accent1"/>
+          </a:fillRef>
+          <a:effectRef idx="0">
+            <a:schemeClr val="accent1"/>
+          </a:effectRef>
+          <a:fontRef idx="minor">
+            <a:schemeClr val="lt1"/>
+          </a:fontRef>
+        </p:style>
+        <p:txBody>
+          <a:bodyPr rtlCol="0" anchor="ctr"/>
+          <a:lstStyle/>
+          <a:p>
+            <a:pPr algn="ctr"/>
+            <a:endParaRPr lang="en-US"/>
+          </a:p>
+        </p:txBody>
+      </p:sp>
+      <p:sp>
+        <p:nvSpPr>
+          <p:cNvPr id="46" name="Freeform: Shape 21">
+            <a:extLst>
+              <a:ext uri="{FF2B5EF4-FFF2-40B4-BE49-F238E27FC236}">
+                <a16:creationId xmlns:a16="http://schemas.microsoft.com/office/drawing/2014/main" id="{DE6E822A-8BCF-432C-83E6-BBE821476CD4}"/>
+              </a:ext>
+              <a:ext uri="{C183D7F6-B498-43B3-948B-1728B52AA6E4}">
+                <adec:decorative xmlns:adec="http://schemas.microsoft.com/office/drawing/2017/decorative" val="1"/>
+              </a:ext>
+            </a:extLst>
+          </p:cNvPr>
+          <p:cNvSpPr>
+            <a:spLocks noGrp="1" noRot="1" noChangeAspect="1" noMove="1" noResize="1" noEditPoints="1" noAdjustHandles="1" noChangeArrowheads="1" noChangeShapeType="1" noTextEdit="1"/>
+          </p:cNvSpPr>
+          <p:nvPr>
+            <p:extLst>
+              <p:ext uri="{386F3935-93C4-4BCD-93E2-E3B085C9AB24}">
+                <p16:designElem xmlns:p16="http://schemas.microsoft.com/office/powerpoint/2015/main" val="1"/>
+              </p:ext>
+            </p:extLst>
+          </p:nvPr>
+        </p:nvSpPr>
+        <p:spPr>
+          <a:xfrm rot="6097846">
+            <a:off x="-747355" y="1201312"/>
+            <a:ext cx="4808302" cy="4088666"/>
+          </a:xfrm>
+          <a:custGeom>
+            <a:avLst/>
+            <a:gdLst>
+              <a:gd name="connsiteX0" fmla="*/ 48844 w 4808302"/>
+              <a:gd name="connsiteY0" fmla="*/ 2888671 h 4088666"/>
+              <a:gd name="connsiteX1" fmla="*/ 0 w 4808302"/>
+              <a:gd name="connsiteY1" fmla="*/ 2404151 h 4088666"/>
+              <a:gd name="connsiteX2" fmla="*/ 2404151 w 4808302"/>
+              <a:gd name="connsiteY2" fmla="*/ 0 h 4088666"/>
+              <a:gd name="connsiteX3" fmla="*/ 4808302 w 4808302"/>
+              <a:gd name="connsiteY3" fmla="*/ 2404151 h 4088666"/>
+              <a:gd name="connsiteX4" fmla="*/ 4700216 w 4808302"/>
+              <a:gd name="connsiteY4" fmla="*/ 3119072 h 4088666"/>
+              <a:gd name="connsiteX5" fmla="*/ 4643143 w 4808302"/>
+              <a:gd name="connsiteY5" fmla="*/ 3275009 h 4088666"/>
+              <a:gd name="connsiteX6" fmla="*/ 690093 w 4808302"/>
+              <a:gd name="connsiteY6" fmla="*/ 4088666 h 4088666"/>
+              <a:gd name="connsiteX7" fmla="*/ 548991 w 4808302"/>
+              <a:gd name="connsiteY7" fmla="*/ 3933414 h 4088666"/>
+              <a:gd name="connsiteX8" fmla="*/ 48844 w 4808302"/>
+              <a:gd name="connsiteY8" fmla="*/ 2888671 h 4088666"/>
+            </a:gdLst>
+            <a:ahLst/>
+            <a:cxnLst>
+              <a:cxn ang="0">
+                <a:pos x="connsiteX0" y="connsiteY0"/>
+              </a:cxn>
+              <a:cxn ang="0">
+                <a:pos x="connsiteX1" y="connsiteY1"/>
+              </a:cxn>
+              <a:cxn ang="0">
+                <a:pos x="connsiteX2" y="connsiteY2"/>
+              </a:cxn>
+              <a:cxn ang="0">
+                <a:pos x="connsiteX3" y="connsiteY3"/>
+              </a:cxn>
+              <a:cxn ang="0">
+                <a:pos x="connsiteX4" y="connsiteY4"/>
+              </a:cxn>
+              <a:cxn ang="0">
+                <a:pos x="connsiteX5" y="connsiteY5"/>
+              </a:cxn>
+              <a:cxn ang="0">
+                <a:pos x="connsiteX6" y="connsiteY6"/>
+              </a:cxn>
+              <a:cxn ang="0">
+                <a:pos x="connsiteX7" y="connsiteY7"/>
+              </a:cxn>
+              <a:cxn ang="0">
+                <a:pos x="connsiteX8" y="connsiteY8"/>
+              </a:cxn>
+            </a:cxnLst>
+            <a:rect l="l" t="t" r="r" b="b"/>
+            <a:pathLst>
+              <a:path w="4808302" h="4088666">
+                <a:moveTo>
+                  <a:pt x="48844" y="2888671"/>
+                </a:moveTo>
+                <a:cubicBezTo>
+                  <a:pt x="16818" y="2732167"/>
+                  <a:pt x="0" y="2570123"/>
+                  <a:pt x="0" y="2404151"/>
+                </a:cubicBezTo>
+                <a:cubicBezTo>
+                  <a:pt x="0" y="1076375"/>
+                  <a:pt x="1076375" y="0"/>
+                  <a:pt x="2404151" y="0"/>
+                </a:cubicBezTo>
+                <a:cubicBezTo>
+                  <a:pt x="3731927" y="0"/>
+                  <a:pt x="4808302" y="1076375"/>
+                  <a:pt x="4808302" y="2404151"/>
+                </a:cubicBezTo>
+                <a:cubicBezTo>
+                  <a:pt x="4808302" y="2653109"/>
+                  <a:pt x="4770461" y="2893229"/>
+                  <a:pt x="4700216" y="3119072"/>
+                </a:cubicBezTo>
+                <a:lnTo>
+                  <a:pt x="4643143" y="3275009"/>
+                </a:lnTo>
+                <a:lnTo>
+                  <a:pt x="690093" y="4088666"/>
+                </a:lnTo>
+                <a:lnTo>
+                  <a:pt x="548991" y="3933414"/>
+                </a:lnTo>
+                <a:cubicBezTo>
+                  <a:pt x="304015" y="3636572"/>
+                  <a:pt x="128908" y="3279932"/>
+                  <a:pt x="48844" y="2888671"/>
+                </a:cubicBezTo>
+                <a:close/>
+              </a:path>
+            </a:pathLst>
+          </a:custGeom>
+          <a:gradFill>
+            <a:gsLst>
+              <a:gs pos="13000">
+                <a:schemeClr val="accent4">
+                  <a:lumMod val="20000"/>
+                  <a:lumOff val="80000"/>
+                  <a:alpha val="2000"/>
+                </a:schemeClr>
+              </a:gs>
+              <a:gs pos="100000">
+                <a:schemeClr val="accent6">
+                  <a:alpha val="29000"/>
+                </a:schemeClr>
+              </a:gs>
+            </a:gsLst>
+            <a:lin ang="16800000" scaled="0"/>
+          </a:gradFill>
+          <a:ln>
+            <a:noFill/>
+          </a:ln>
+        </p:spPr>
+        <p:style>
+          <a:lnRef idx="2">
+            <a:schemeClr val="accent1">
+              <a:shade val="50000"/>
+            </a:schemeClr>
+          </a:lnRef>
+          <a:fillRef idx="1">
+            <a:schemeClr val="accent1"/>
+          </a:fillRef>
+          <a:effectRef idx="0">
+            <a:schemeClr val="accent1"/>
+          </a:effectRef>
+          <a:fontRef idx="minor">
+            <a:schemeClr val="lt1"/>
+          </a:fontRef>
+        </p:style>
+        <p:txBody>
+          <a:bodyPr wrap="square" rtlCol="0" anchor="ctr">
+            <a:noAutofit/>
+          </a:bodyPr>
+          <a:lstStyle/>
+          <a:p>
+            <a:pPr algn="ctr"/>
+            <a:endParaRPr lang="en-US" dirty="0"/>
+          </a:p>
+        </p:txBody>
+      </p:sp>
+      <p:sp>
+        <p:nvSpPr>
+          <p:cNvPr id="2" name="Titre 1">
+            <a:extLst>
+              <a:ext uri="{FF2B5EF4-FFF2-40B4-BE49-F238E27FC236}">
+                <a16:creationId xmlns:a16="http://schemas.microsoft.com/office/drawing/2014/main" id="{8D4D82F1-C049-6D8E-22BD-8890079162FF}"/>
+              </a:ext>
+            </a:extLst>
+          </p:cNvPr>
+          <p:cNvSpPr>
+            <a:spLocks noGrp="1"/>
+          </p:cNvSpPr>
+          <p:nvPr>
+            <p:ph type="title"/>
+          </p:nvPr>
+        </p:nvSpPr>
+        <p:spPr>
+          <a:xfrm>
+            <a:off x="474243" y="681317"/>
+            <a:ext cx="3236613" cy="3406187"/>
+          </a:xfrm>
+        </p:spPr>
+        <p:txBody>
+          <a:bodyPr vert="horz" lIns="0" tIns="0" rIns="0" bIns="0" rtlCol="0" anchor="b">
+            <a:normAutofit/>
+          </a:bodyPr>
+          <a:lstStyle/>
+          <a:p>
+            <a:pPr algn="r"/>
+            <a:r>
+              <a:rPr lang="en-US" sz="3200" spc="750">
+                <a:solidFill>
+                  <a:schemeClr val="bg1"/>
+                </a:solidFill>
+              </a:rPr>
+              <a:t>L’interface</a:t>
+            </a:r>
+          </a:p>
+        </p:txBody>
+      </p:sp>
+      <p:pic>
+        <p:nvPicPr>
+          <p:cNvPr id="5" name="Espace réservé du contenu 4" descr="Une image contenant texte, capture d’écran, Police&#10;&#10;Description générée automatiquement">
+            <a:extLst>
+              <a:ext uri="{FF2B5EF4-FFF2-40B4-BE49-F238E27FC236}">
+                <a16:creationId xmlns:a16="http://schemas.microsoft.com/office/drawing/2014/main" id="{805904AD-AFAF-9594-4AA0-566534DAC044}"/>
+              </a:ext>
+            </a:extLst>
+          </p:cNvPr>
+          <p:cNvPicPr>
+            <a:picLocks noGrp="1" noChangeAspect="1"/>
+          </p:cNvPicPr>
+          <p:nvPr>
+            <p:ph idx="1"/>
+          </p:nvPr>
+        </p:nvPicPr>
+        <p:blipFill>
+          <a:blip r:embed="rId2"/>
+          <a:stretch>
+            <a:fillRect/>
+          </a:stretch>
+        </p:blipFill>
+        <p:spPr>
+          <a:xfrm>
+            <a:off x="4503619" y="1025039"/>
+            <a:ext cx="7214138" cy="4815436"/>
+          </a:xfrm>
+          <a:prstGeom prst="rect">
+            <a:avLst/>
+          </a:prstGeom>
+        </p:spPr>
+      </p:pic>
+    </p:spTree>
+    <p:extLst>
+      <p:ext uri="{BB962C8B-B14F-4D97-AF65-F5344CB8AC3E}">
+        <p14:creationId xmlns:p14="http://schemas.microsoft.com/office/powerpoint/2010/main" val="195493370"/>
+      </p:ext>
+    </p:extLst>
+  </p:cSld>
+  <p:clrMapOvr>
+    <a:masterClrMapping/>
+  </p:clrMapOvr>
+</p:sld>
+</file>
+
+<file path=ppt/slides/slide7.xml><?xml version="1.0" encoding="utf-8"?>
+<p:sld xmlns:a="http://schemas.openxmlformats.org/drawingml/2006/main" xmlns:r="http://schemas.openxmlformats.org/officeDocument/2006/relationships" xmlns:p="http://schemas.openxmlformats.org/presentationml/2006/main">
+  <p:cSld>
+    <p:spTree>
+      <p:nvGrpSpPr>
+        <p:cNvPr id="1" name=""/>
+        <p:cNvGrpSpPr/>
+        <p:nvPr/>
+      </p:nvGrpSpPr>
+      <p:grpSpPr>
+        <a:xfrm>
+          <a:off x="0" y="0"/>
+          <a:ext cx="0" cy="0"/>
+          <a:chOff x="0" y="0"/>
+          <a:chExt cx="0" cy="0"/>
+        </a:xfrm>
+      </p:grpSpPr>
+      <p:sp>
+        <p:nvSpPr>
+          <p:cNvPr id="2" name="Titre 1">
+            <a:extLst>
+              <a:ext uri="{FF2B5EF4-FFF2-40B4-BE49-F238E27FC236}">
+                <a16:creationId xmlns:a16="http://schemas.microsoft.com/office/drawing/2014/main" id="{A4841A0E-8961-5A15-10F1-37D04AA8005A}"/>
+              </a:ext>
+            </a:extLst>
+          </p:cNvPr>
+          <p:cNvSpPr>
+            <a:spLocks noGrp="1"/>
+          </p:cNvSpPr>
+          <p:nvPr>
+            <p:ph type="title"/>
+          </p:nvPr>
+        </p:nvSpPr>
+        <p:spPr/>
+        <p:txBody>
+          <a:bodyPr/>
+          <a:lstStyle/>
+          <a:p>
+            <a:r>
+              <a:rPr lang="fr-FR" dirty="0"/>
+              <a:t>Quelques commandes utiles</a:t>
+            </a:r>
+          </a:p>
+        </p:txBody>
+      </p:sp>
+      <p:sp>
+        <p:nvSpPr>
+          <p:cNvPr id="3" name="Espace réservé du contenu 2">
+            <a:extLst>
+              <a:ext uri="{FF2B5EF4-FFF2-40B4-BE49-F238E27FC236}">
+                <a16:creationId xmlns:a16="http://schemas.microsoft.com/office/drawing/2014/main" id="{3D2DC614-CB5B-03AB-D276-BE9F630CDD43}"/>
+              </a:ext>
+            </a:extLst>
+          </p:cNvPr>
+          <p:cNvSpPr>
+            <a:spLocks noGrp="1"/>
+          </p:cNvSpPr>
+          <p:nvPr>
+            <p:ph idx="1"/>
+          </p:nvPr>
+        </p:nvSpPr>
+        <p:spPr/>
+        <p:txBody>
+          <a:bodyPr/>
+          <a:lstStyle/>
+          <a:p>
+            <a:r>
+              <a:rPr lang="fr-FR" dirty="0"/>
+              <a:t>ls : (</a:t>
+            </a:r>
+            <a:r>
+              <a:rPr lang="fr-FR" dirty="0" err="1"/>
+              <a:t>list</a:t>
+            </a:r>
+            <a:r>
+              <a:rPr lang="fr-FR" dirty="0"/>
+              <a:t>) affiche les différents dossiers et fichier contenus dans le répertoire actif</a:t>
+            </a:r>
+          </a:p>
+          <a:p>
+            <a:r>
+              <a:rPr lang="fr-FR" dirty="0"/>
+              <a:t>cd : (change directory) permet de changer de répertoire (dossier) actif</a:t>
+            </a:r>
+          </a:p>
+          <a:p>
+            <a:r>
+              <a:rPr lang="fr-FR" dirty="0"/>
+              <a:t>git init : permet d’initialiser un </a:t>
+            </a:r>
+            <a:r>
+              <a:rPr lang="fr-FR" dirty="0" err="1"/>
+              <a:t>dépot</a:t>
+            </a:r>
+            <a:r>
+              <a:rPr lang="fr-FR" dirty="0"/>
+              <a:t> git dans le répertoire actif</a:t>
+            </a:r>
+          </a:p>
+          <a:p>
+            <a:r>
+              <a:rPr lang="fr-FR" dirty="0"/>
+              <a:t>git </a:t>
+            </a:r>
+            <a:r>
+              <a:rPr lang="fr-FR" dirty="0" err="1"/>
+              <a:t>add</a:t>
+            </a:r>
+            <a:r>
+              <a:rPr lang="fr-FR" dirty="0"/>
+              <a:t> –A : permet d’ajouter toutes les modifications au commit</a:t>
+            </a:r>
+          </a:p>
+          <a:p>
+            <a:r>
+              <a:rPr lang="fr-FR" dirty="0"/>
+              <a:t>git commit –m ‘’message’’ : permet d’enregistrer un commit avec un message</a:t>
+            </a:r>
+          </a:p>
+          <a:p>
+            <a:r>
+              <a:rPr lang="fr-FR" dirty="0"/>
+              <a:t>git push : permet d’envoyer les changements vers un serveur distant</a:t>
+            </a:r>
+          </a:p>
+          <a:p>
+            <a:r>
+              <a:rPr lang="fr-FR" dirty="0"/>
+              <a:t>git </a:t>
+            </a:r>
+            <a:r>
+              <a:rPr lang="fr-FR" dirty="0" err="1"/>
+              <a:t>branch</a:t>
+            </a:r>
+            <a:r>
+              <a:rPr lang="fr-FR" dirty="0"/>
+              <a:t>/git </a:t>
+            </a:r>
+            <a:r>
+              <a:rPr lang="fr-FR" dirty="0" err="1"/>
+              <a:t>checkout</a:t>
+            </a:r>
+            <a:r>
+              <a:rPr lang="fr-FR" dirty="0"/>
+              <a:t> : permet de changer de branche active</a:t>
+            </a:r>
+          </a:p>
+        </p:txBody>
+      </p:sp>
+    </p:spTree>
+    <p:extLst>
+      <p:ext uri="{BB962C8B-B14F-4D97-AF65-F5344CB8AC3E}">
+        <p14:creationId xmlns:p14="http://schemas.microsoft.com/office/powerpoint/2010/main" val="103087316"/>
+      </p:ext>
+    </p:extLst>
+  </p:cSld>
+  <p:clrMapOvr>
+    <a:masterClrMapping/>
+  </p:clrMapOvr>
+</p:sld>
+</file>
+
+<file path=ppt/slides/slide8.xml><?xml version="1.0" encoding="utf-8"?>
+<p:sld xmlns:a="http://schemas.openxmlformats.org/drawingml/2006/main" xmlns:r="http://schemas.openxmlformats.org/officeDocument/2006/relationships" xmlns:p="http://schemas.openxmlformats.org/presentationml/2006/main">
+  <p:cSld>
+    <p:spTree>
+      <p:nvGrpSpPr>
+        <p:cNvPr id="1" name=""/>
+        <p:cNvGrpSpPr/>
+        <p:nvPr/>
+      </p:nvGrpSpPr>
+      <p:grpSpPr>
+        <a:xfrm>
+          <a:off x="0" y="0"/>
+          <a:ext cx="0" cy="0"/>
+          <a:chOff x="0" y="0"/>
+          <a:chExt cx="0" cy="0"/>
+        </a:xfrm>
+      </p:grpSpPr>
+      <p:sp>
+        <p:nvSpPr>
+          <p:cNvPr id="2" name="Titre 1">
+            <a:extLst>
+              <a:ext uri="{FF2B5EF4-FFF2-40B4-BE49-F238E27FC236}">
+                <a16:creationId xmlns:a16="http://schemas.microsoft.com/office/drawing/2014/main" id="{06E66C5B-9094-9944-58D2-C7060A20E390}"/>
+              </a:ext>
+            </a:extLst>
+          </p:cNvPr>
+          <p:cNvSpPr>
+            <a:spLocks noGrp="1"/>
+          </p:cNvSpPr>
+          <p:nvPr>
+            <p:ph type="ctrTitle"/>
+          </p:nvPr>
+        </p:nvSpPr>
+        <p:spPr/>
+        <p:txBody>
+          <a:bodyPr/>
+          <a:lstStyle/>
+          <a:p>
+            <a:r>
+              <a:rPr lang="fr-FR" dirty="0"/>
+              <a:t>III. Comment collaborer ?</a:t>
+            </a:r>
+          </a:p>
+        </p:txBody>
+      </p:sp>
+      <p:sp>
+        <p:nvSpPr>
+          <p:cNvPr id="3" name="Sous-titre 2">
+            <a:extLst>
+              <a:ext uri="{FF2B5EF4-FFF2-40B4-BE49-F238E27FC236}">
+                <a16:creationId xmlns:a16="http://schemas.microsoft.com/office/drawing/2014/main" id="{75DE13D3-E4C5-6647-249B-E108DA027E64}"/>
+              </a:ext>
+            </a:extLst>
+          </p:cNvPr>
+          <p:cNvSpPr>
+            <a:spLocks noGrp="1"/>
+          </p:cNvSpPr>
+          <p:nvPr>
+            <p:ph type="subTitle" idx="1"/>
+          </p:nvPr>
+        </p:nvSpPr>
+        <p:spPr/>
+        <p:txBody>
+          <a:bodyPr/>
+          <a:lstStyle/>
+          <a:p>
+            <a:endParaRPr lang="fr-FR" dirty="0"/>
+          </a:p>
+        </p:txBody>
+      </p:sp>
+    </p:spTree>
+    <p:extLst>
+      <p:ext uri="{BB962C8B-B14F-4D97-AF65-F5344CB8AC3E}">
+        <p14:creationId xmlns:p14="http://schemas.microsoft.com/office/powerpoint/2010/main" val="135966668"/>
+      </p:ext>
+    </p:extLst>
+  </p:cSld>
+  <p:clrMapOvr>
+    <a:masterClrMapping/>
+  </p:clrMapOvr>
+</p:sld>
+</file>
+
+<file path=ppt/slides/slide9.xml><?xml version="1.0" encoding="utf-8"?>
+<p:sld xmlns:a="http://schemas.openxmlformats.org/drawingml/2006/main" xmlns:r="http://schemas.openxmlformats.org/officeDocument/2006/relationships" xmlns:p="http://schemas.openxmlformats.org/presentationml/2006/main">
+  <p:cSld>
+    <p:bg>
+      <p:bgPr>
+        <a:solidFill>
+          <a:schemeClr val="bg1"/>
+        </a:solidFill>
+        <a:effectLst/>
+      </p:bgPr>
+    </p:bg>
+    <p:spTree>
+      <p:nvGrpSpPr>
+        <p:cNvPr id="1" name=""/>
+        <p:cNvGrpSpPr/>
+        <p:nvPr/>
+      </p:nvGrpSpPr>
+      <p:grpSpPr>
+        <a:xfrm>
+          <a:off x="0" y="0"/>
+          <a:ext cx="0" cy="0"/>
+          <a:chOff x="0" y="0"/>
+          <a:chExt cx="0" cy="0"/>
+        </a:xfrm>
+      </p:grpSpPr>
+      <p:sp useBgFill="1">
+        <p:nvSpPr>
+          <p:cNvPr id="2055" name="Rectangle 2054">
+            <a:extLst>
+              <a:ext uri="{FF2B5EF4-FFF2-40B4-BE49-F238E27FC236}">
+                <a16:creationId xmlns:a16="http://schemas.microsoft.com/office/drawing/2014/main" id="{93DAF4AA-9270-40B5-B73C-B11B9A92F0BC}"/>
+              </a:ext>
+              <a:ext uri="{C183D7F6-B498-43B3-948B-1728B52AA6E4}">
+                <adec:decorative xmlns:adec="http://schemas.microsoft.com/office/drawing/2017/decorative" val="1"/>
+              </a:ext>
+            </a:extLst>
+          </p:cNvPr>
+          <p:cNvSpPr>
+            <a:spLocks noGrp="1" noRot="1" noChangeAspect="1" noMove="1" noResize="1" noEditPoints="1" noAdjustHandles="1" noChangeArrowheads="1" noChangeShapeType="1" noTextEdit="1"/>
+          </p:cNvSpPr>
+          <p:nvPr>
+            <p:extLst>
+              <p:ext uri="{386F3935-93C4-4BCD-93E2-E3B085C9AB24}">
+                <p16:designElem xmlns:p16="http://schemas.microsoft.com/office/powerpoint/2015/main" val="1"/>
+              </p:ext>
+            </p:extLst>
+          </p:nvPr>
+        </p:nvSpPr>
+        <p:spPr>
+          <a:xfrm>
+            <a:off x="0" y="0"/>
+            <a:ext cx="12192000" cy="6858000"/>
+          </a:xfrm>
+          <a:prstGeom prst="rect">
+            <a:avLst/>
+          </a:prstGeom>
+          <a:ln w="12700" cap="flat" cmpd="sng" algn="ctr">
+            <a:noFill/>
+            <a:prstDash val="solid"/>
+            <a:miter lim="800000"/>
+          </a:ln>
+          <a:effectLst/>
+          <a:extLst>
+            <a:ext uri="{91240B29-F687-4F45-9708-019B960494DF}">
+              <a14:hiddenLine xmlns:a14="http://schemas.microsoft.com/office/drawing/2010/main" w="12700" cap="flat" cmpd="sng" algn="ctr">
+                <a:solidFill>
+                  <a:schemeClr val="accent1">
+                    <a:shade val="50000"/>
+                  </a:schemeClr>
+                </a:solidFill>
+                <a:prstDash val="solid"/>
+                <a:miter lim="800000"/>
+              </a14:hiddenLine>
+            </a:ext>
+          </a:extLst>
+        </p:spPr>
+        <p:style>
+          <a:lnRef idx="2">
+            <a:schemeClr val="accent1">
+              <a:shade val="50000"/>
+            </a:schemeClr>
+          </a:lnRef>
+          <a:fillRef idx="1">
+            <a:schemeClr val="accent1"/>
+          </a:fillRef>
+          <a:effectRef idx="0">
+            <a:schemeClr val="accent1"/>
+          </a:effectRef>
+          <a:fontRef idx="minor">
+            <a:schemeClr val="lt1"/>
+          </a:fontRef>
+        </p:style>
+        <p:txBody>
+          <a:bodyPr rtlCol="0" anchor="ctr"/>
+          <a:lstStyle/>
+          <a:p>
+            <a:pPr algn="ctr"/>
+            <a:endParaRPr lang="en-US"/>
+          </a:p>
+        </p:txBody>
+      </p:sp>
+      <p:sp>
+        <p:nvSpPr>
+          <p:cNvPr id="2" name="Titre 1">
+            <a:extLst>
+              <a:ext uri="{FF2B5EF4-FFF2-40B4-BE49-F238E27FC236}">
+                <a16:creationId xmlns:a16="http://schemas.microsoft.com/office/drawing/2014/main" id="{E991014F-2810-96F9-E03A-D200DF5685C5}"/>
+              </a:ext>
+            </a:extLst>
+          </p:cNvPr>
+          <p:cNvSpPr>
+            <a:spLocks noGrp="1"/>
+          </p:cNvSpPr>
+          <p:nvPr>
+            <p:ph type="title"/>
+          </p:nvPr>
+        </p:nvSpPr>
+        <p:spPr>
+          <a:xfrm>
+            <a:off x="1371598" y="462743"/>
+            <a:ext cx="5327375" cy="1560022"/>
+          </a:xfrm>
+        </p:spPr>
+        <p:txBody>
+          <a:bodyPr anchor="b">
+            <a:normAutofit/>
+          </a:bodyPr>
+          <a:lstStyle/>
+          <a:p>
+            <a:r>
+              <a:rPr lang="fr-FR" dirty="0" err="1"/>
+              <a:t>Github</a:t>
+            </a:r>
+            <a:endParaRPr lang="fr-FR" dirty="0"/>
+          </a:p>
+        </p:txBody>
+      </p:sp>
+      <p:sp>
+        <p:nvSpPr>
+          <p:cNvPr id="3" name="Espace réservé du contenu 2">
+            <a:extLst>
+              <a:ext uri="{FF2B5EF4-FFF2-40B4-BE49-F238E27FC236}">
+                <a16:creationId xmlns:a16="http://schemas.microsoft.com/office/drawing/2014/main" id="{1EE362AC-B6AB-C906-ADEA-1D59C3E3E567}"/>
+              </a:ext>
+            </a:extLst>
+          </p:cNvPr>
+          <p:cNvSpPr>
+            <a:spLocks noGrp="1"/>
+          </p:cNvSpPr>
+          <p:nvPr>
+            <p:ph idx="1"/>
+          </p:nvPr>
+        </p:nvSpPr>
+        <p:spPr>
+          <a:xfrm>
+            <a:off x="1371600" y="2279374"/>
+            <a:ext cx="5327373" cy="3601436"/>
+          </a:xfrm>
+        </p:spPr>
+        <p:txBody>
+          <a:bodyPr>
+            <a:normAutofit/>
+          </a:bodyPr>
+          <a:lstStyle/>
+          <a:p>
+            <a:r>
+              <a:rPr lang="fr-FR" sz="1600" dirty="0"/>
+              <a:t>Service gratuit</a:t>
+            </a:r>
+          </a:p>
+          <a:p>
+            <a:r>
+              <a:rPr lang="fr-FR" sz="1600" dirty="0"/>
+              <a:t>Permet d’héberger en ligne des « repositories » (dossier stocké dans le cloud)</a:t>
+            </a:r>
+          </a:p>
+          <a:p>
+            <a:r>
+              <a:rPr lang="fr-FR" sz="1600" dirty="0"/>
+              <a:t>Permet à plusieurs personnes de cloner le dossier, d’y effectuer des changements et de le combiner au dossier original (pull </a:t>
+            </a:r>
+            <a:r>
+              <a:rPr lang="fr-FR" sz="1600" dirty="0" err="1"/>
+              <a:t>request</a:t>
+            </a:r>
+            <a:r>
+              <a:rPr lang="fr-FR" sz="1600" dirty="0"/>
+              <a:t>)</a:t>
+            </a:r>
+          </a:p>
+          <a:p>
+            <a:r>
+              <a:rPr lang="fr-FR" sz="1600" dirty="0"/>
+              <a:t>Héberge aussi des pages web gratuitement</a:t>
+            </a:r>
+          </a:p>
+          <a:p>
+            <a:pPr marL="0" indent="0">
+              <a:buNone/>
+            </a:pPr>
+            <a:endParaRPr lang="fr-FR" sz="1600" dirty="0"/>
+          </a:p>
+        </p:txBody>
+      </p:sp>
+      <p:sp>
+        <p:nvSpPr>
+          <p:cNvPr id="2057" name="Rectangle 2056">
+            <a:extLst>
+              <a:ext uri="{FF2B5EF4-FFF2-40B4-BE49-F238E27FC236}">
+                <a16:creationId xmlns:a16="http://schemas.microsoft.com/office/drawing/2014/main" id="{31D5E60A-D6B1-4F21-A993-313958AF0C00}"/>
+              </a:ext>
+              <a:ext uri="{C183D7F6-B498-43B3-948B-1728B52AA6E4}">
+                <adec:decorative xmlns:adec="http://schemas.microsoft.com/office/drawing/2017/decorative" val="1"/>
+              </a:ext>
+            </a:extLst>
+          </p:cNvPr>
+          <p:cNvSpPr>
+            <a:spLocks noGrp="1" noRot="1" noChangeAspect="1" noMove="1" noResize="1" noEditPoints="1" noAdjustHandles="1" noChangeArrowheads="1" noChangeShapeType="1" noTextEdit="1"/>
+          </p:cNvSpPr>
+          <p:nvPr>
+            <p:extLst>
+              <p:ext uri="{386F3935-93C4-4BCD-93E2-E3B085C9AB24}">
+                <p16:designElem xmlns:p16="http://schemas.microsoft.com/office/powerpoint/2015/main" val="1"/>
+              </p:ext>
+            </p:extLst>
+          </p:nvPr>
+        </p:nvSpPr>
+        <p:spPr>
+          <a:xfrm rot="10800000" flipH="1">
+            <a:off x="8115300" y="-4"/>
+            <a:ext cx="4076699" cy="6858003"/>
+          </a:xfrm>
+          <a:prstGeom prst="rect">
+            <a:avLst/>
+          </a:prstGeom>
+          <a:gradFill>
+            <a:gsLst>
+              <a:gs pos="8000">
+                <a:schemeClr val="accent6"/>
+              </a:gs>
+              <a:gs pos="100000">
+                <a:schemeClr val="accent5">
+                  <a:alpha val="90000"/>
+                </a:schemeClr>
+              </a:gs>
+            </a:gsLst>
+            <a:lin ang="7800000" scaled="0"/>
+          </a:gradFill>
+          <a:ln>
+            <a:noFill/>
+          </a:ln>
+        </p:spPr>
+        <p:style>
+          <a:lnRef idx="2">
+            <a:schemeClr val="accent1">
+              <a:shade val="50000"/>
+            </a:schemeClr>
+          </a:lnRef>
+          <a:fillRef idx="1">
+            <a:schemeClr val="accent1"/>
+          </a:fillRef>
+          <a:effectRef idx="0">
+            <a:schemeClr val="accent1"/>
+          </a:effectRef>
+          <a:fontRef idx="minor">
+            <a:schemeClr val="lt1"/>
+          </a:fontRef>
+        </p:style>
+        <p:txBody>
+          <a:bodyPr rtlCol="0" anchor="ctr"/>
+          <a:lstStyle/>
+          <a:p>
+            <a:pPr algn="ctr"/>
+            <a:endParaRPr lang="en-US"/>
+          </a:p>
+        </p:txBody>
+      </p:sp>
+      <p:sp>
+        <p:nvSpPr>
+          <p:cNvPr id="2059" name="Rectangle 2058">
+            <a:extLst>
+              <a:ext uri="{FF2B5EF4-FFF2-40B4-BE49-F238E27FC236}">
+                <a16:creationId xmlns:a16="http://schemas.microsoft.com/office/drawing/2014/main" id="{5B7BB16B-E108-4C64-97D5-7AC67CC5E2C7}"/>
+              </a:ext>
+              <a:ext uri="{C183D7F6-B498-43B3-948B-1728B52AA6E4}">
+                <adec:decorative xmlns:adec="http://schemas.microsoft.com/office/drawing/2017/decorative" val="1"/>
+              </a:ext>
+            </a:extLst>
+          </p:cNvPr>
+          <p:cNvSpPr>
+            <a:spLocks noGrp="1" noRot="1" noChangeAspect="1" noMove="1" noResize="1" noEditPoints="1" noAdjustHandles="1" noChangeArrowheads="1" noChangeShapeType="1" noTextEdit="1"/>
+          </p:cNvSpPr>
+          <p:nvPr>
+            <p:extLst>
+              <p:ext uri="{386F3935-93C4-4BCD-93E2-E3B085C9AB24}">
+                <p16:designElem xmlns:p16="http://schemas.microsoft.com/office/powerpoint/2015/main" val="1"/>
+              </p:ext>
+            </p:extLst>
+          </p:nvPr>
+        </p:nvSpPr>
+        <p:spPr>
+          <a:xfrm rot="5400000" flipH="1">
+            <a:off x="6724863" y="1390436"/>
+            <a:ext cx="6857572" cy="4076700"/>
+          </a:xfrm>
+          <a:prstGeom prst="rect">
+            <a:avLst/>
+          </a:prstGeom>
+          <a:gradFill>
+            <a:gsLst>
+              <a:gs pos="0">
+                <a:schemeClr val="accent4">
+                  <a:alpha val="13000"/>
+                </a:schemeClr>
+              </a:gs>
+              <a:gs pos="99000">
+                <a:schemeClr val="accent2">
+                  <a:alpha val="52000"/>
+                </a:schemeClr>
+              </a:gs>
+            </a:gsLst>
+            <a:lin ang="3600000" scaled="0"/>
+          </a:gradFill>
+          <a:ln>
+            <a:noFill/>
+          </a:ln>
+        </p:spPr>
+        <p:style>
+          <a:lnRef idx="2">
+            <a:schemeClr val="accent1">
+              <a:shade val="50000"/>
+            </a:schemeClr>
+          </a:lnRef>
+          <a:fillRef idx="1">
+            <a:schemeClr val="accent1"/>
+          </a:fillRef>
+          <a:effectRef idx="0">
+            <a:schemeClr val="accent1"/>
+          </a:effectRef>
+          <a:fontRef idx="minor">
+            <a:schemeClr val="lt1"/>
+          </a:fontRef>
+        </p:style>
+        <p:txBody>
+          <a:bodyPr rtlCol="0" anchor="ctr"/>
+          <a:lstStyle/>
+          <a:p>
+            <a:pPr algn="ctr"/>
+            <a:endParaRPr lang="en-US" dirty="0"/>
+          </a:p>
+        </p:txBody>
+      </p:sp>
+      <p:sp>
+        <p:nvSpPr>
+          <p:cNvPr id="2061" name="Rectangle 2060">
+            <a:extLst>
+              <a:ext uri="{FF2B5EF4-FFF2-40B4-BE49-F238E27FC236}">
+                <a16:creationId xmlns:a16="http://schemas.microsoft.com/office/drawing/2014/main" id="{A5F6A003-4671-4F7B-A12E-2946D61E435F}"/>
+              </a:ext>
+              <a:ext uri="{C183D7F6-B498-43B3-948B-1728B52AA6E4}">
+                <adec:decorative xmlns:adec="http://schemas.microsoft.com/office/drawing/2017/decorative" val="1"/>
+              </a:ext>
+            </a:extLst>
+          </p:cNvPr>
+          <p:cNvSpPr>
+            <a:spLocks noGrp="1" noRot="1" noChangeAspect="1" noMove="1" noResize="1" noEditPoints="1" noAdjustHandles="1" noChangeArrowheads="1" noChangeShapeType="1" noTextEdit="1"/>
+          </p:cNvSpPr>
+          <p:nvPr>
+            <p:extLst>
+              <p:ext uri="{386F3935-93C4-4BCD-93E2-E3B085C9AB24}">
+                <p16:designElem xmlns:p16="http://schemas.microsoft.com/office/powerpoint/2015/main" val="1"/>
+              </p:ext>
+            </p:extLst>
+          </p:nvPr>
+        </p:nvSpPr>
+        <p:spPr>
+          <a:xfrm rot="5400000" flipH="1">
+            <a:off x="6785110" y="1451112"/>
+            <a:ext cx="6858001" cy="3955771"/>
+          </a:xfrm>
+          <a:prstGeom prst="rect">
+            <a:avLst/>
+          </a:prstGeom>
+          <a:gradFill>
+            <a:gsLst>
+              <a:gs pos="0">
+                <a:schemeClr val="accent6">
+                  <a:alpha val="0"/>
+                </a:schemeClr>
+              </a:gs>
+              <a:gs pos="72000">
+                <a:schemeClr val="tx2">
+                  <a:lumMod val="75000"/>
+                  <a:lumOff val="25000"/>
+                  <a:alpha val="26000"/>
+                </a:schemeClr>
+              </a:gs>
+            </a:gsLst>
+            <a:lin ang="18000000" scaled="0"/>
+          </a:gradFill>
+          <a:ln>
+            <a:noFill/>
+          </a:ln>
+        </p:spPr>
+        <p:style>
+          <a:lnRef idx="2">
+            <a:schemeClr val="accent1">
+              <a:shade val="50000"/>
+            </a:schemeClr>
+          </a:lnRef>
+          <a:fillRef idx="1">
+            <a:schemeClr val="accent1"/>
+          </a:fillRef>
+          <a:effectRef idx="0">
+            <a:schemeClr val="accent1"/>
+          </a:effectRef>
+          <a:fontRef idx="minor">
+            <a:schemeClr val="lt1"/>
+          </a:fontRef>
+        </p:style>
+        <p:txBody>
+          <a:bodyPr rtlCol="0" anchor="ctr"/>
+          <a:lstStyle/>
+          <a:p>
+            <a:pPr algn="ctr"/>
+            <a:endParaRPr lang="en-US" dirty="0"/>
+          </a:p>
+        </p:txBody>
+      </p:sp>
+      <p:pic>
+        <p:nvPicPr>
+          <p:cNvPr id="2050" name="Picture 2" descr="GitHub — A Beginner's Introduction | by Thiago Marsal Farias | Medium">
+            <a:extLst>
+              <a:ext uri="{FF2B5EF4-FFF2-40B4-BE49-F238E27FC236}">
+                <a16:creationId xmlns:a16="http://schemas.microsoft.com/office/drawing/2014/main" id="{2363AA8E-D731-9575-4BD0-B75BBBA3F99B}"/>
+              </a:ext>
+            </a:extLst>
+          </p:cNvPr>
+          <p:cNvPicPr>
+            <a:picLocks noChangeAspect="1" noChangeArrowheads="1"/>
+          </p:cNvPicPr>
+          <p:nvPr/>
+        </p:nvPicPr>
+        <p:blipFill>
+          <a:blip r:embed="rId2">
+            <a:extLst>
+              <a:ext uri="{28A0092B-C50C-407E-A947-70E740481C1C}">
+                <a14:useLocalDpi xmlns:a14="http://schemas.microsoft.com/office/drawing/2010/main" val="0"/>
+              </a:ext>
+            </a:extLst>
+          </a:blip>
+          <a:stretch>
+            <a:fillRect/>
+          </a:stretch>
+        </p:blipFill>
+        <p:spPr bwMode="auto">
+          <a:xfrm>
+            <a:off x="8070573" y="2507303"/>
+            <a:ext cx="4076701" cy="1508379"/>
+          </a:xfrm>
+          <a:prstGeom prst="rect">
+            <a:avLst/>
+          </a:prstGeom>
+          <a:noFill/>
+          <a:extLst>
+            <a:ext uri="{909E8E84-426E-40DD-AFC4-6F175D3DCCD1}">
+              <a14:hiddenFill xmlns:a14="http://schemas.microsoft.com/office/drawing/2010/main">
+                <a:solidFill>
+                  <a:srgbClr val="FFFFFF"/>
+                </a:solidFill>
+              </a14:hiddenFill>
+            </a:ext>
+          </a:extLst>
+        </p:spPr>
+      </p:pic>
+    </p:spTree>
+    <p:extLst>
+      <p:ext uri="{BB962C8B-B14F-4D97-AF65-F5344CB8AC3E}">
+        <p14:creationId xmlns:p14="http://schemas.microsoft.com/office/powerpoint/2010/main" val="3847341339"/>
       </p:ext>
     </p:extLst>
   </p:cSld>

--- a/Code perso/Exposés/Git.pptx
+++ b/Code perso/Exposés/Git.pptx
@@ -123,7 +123,7 @@
 <file path=ppt/revisionInfo.xml><?xml version="1.0" encoding="utf-8"?>
 <p1510:revInfo xmlns:a="http://schemas.openxmlformats.org/drawingml/2006/main" xmlns:r="http://schemas.openxmlformats.org/officeDocument/2006/relationships" xmlns:p1510="http://schemas.microsoft.com/office/powerpoint/2015/10/main">
   <p1510:revLst>
-    <p1510:client id="{A545601D-4F61-4D8C-99B9-F18C6E4BFB35}" v="12" dt="2024-04-02T11:38:53.511"/>
+    <p1510:client id="{A545601D-4F61-4D8C-99B9-F18C6E4BFB35}" v="15" dt="2024-04-02T12:50:57.171"/>
   </p1510:revLst>
 </p1510:revInfo>
 </file>
@@ -465,10 +465,25 @@
   <pc:docChgLst>
     <pc:chgData name="RODRIGUEZ Enzo" userId="c7d9669b-353c-4586-b7b1-5ee7bcd74935" providerId="ADAL" clId="{A545601D-4F61-4D8C-99B9-F18C6E4BFB35}"/>
     <pc:docChg chg="undo custSel addSld delSld modSld">
-      <pc:chgData name="RODRIGUEZ Enzo" userId="c7d9669b-353c-4586-b7b1-5ee7bcd74935" providerId="ADAL" clId="{A545601D-4F61-4D8C-99B9-F18C6E4BFB35}" dt="2024-04-02T12:45:42.928" v="1428" actId="20577"/>
+      <pc:chgData name="RODRIGUEZ Enzo" userId="c7d9669b-353c-4586-b7b1-5ee7bcd74935" providerId="ADAL" clId="{A545601D-4F61-4D8C-99B9-F18C6E4BFB35}" dt="2024-04-02T12:50:57.171" v="1434" actId="1076"/>
       <pc:docMkLst>
         <pc:docMk/>
       </pc:docMkLst>
+      <pc:sldChg chg="addSp modSp">
+        <pc:chgData name="RODRIGUEZ Enzo" userId="c7d9669b-353c-4586-b7b1-5ee7bcd74935" providerId="ADAL" clId="{A545601D-4F61-4D8C-99B9-F18C6E4BFB35}" dt="2024-04-02T12:50:57.171" v="1434" actId="1076"/>
+        <pc:sldMkLst>
+          <pc:docMk/>
+          <pc:sldMk cId="3215853538" sldId="258"/>
+        </pc:sldMkLst>
+        <pc:picChg chg="add mod">
+          <ac:chgData name="RODRIGUEZ Enzo" userId="c7d9669b-353c-4586-b7b1-5ee7bcd74935" providerId="ADAL" clId="{A545601D-4F61-4D8C-99B9-F18C6E4BFB35}" dt="2024-04-02T12:50:57.171" v="1434" actId="1076"/>
+          <ac:picMkLst>
+            <pc:docMk/>
+            <pc:sldMk cId="3215853538" sldId="258"/>
+            <ac:picMk id="2050" creationId="{2A1ABEA0-929B-6D66-3794-5E380A0B25D4}"/>
+          </ac:picMkLst>
+        </pc:picChg>
+      </pc:sldChg>
       <pc:sldChg chg="modSp new mod">
         <pc:chgData name="RODRIGUEZ Enzo" userId="c7d9669b-353c-4586-b7b1-5ee7bcd74935" providerId="ADAL" clId="{A545601D-4F61-4D8C-99B9-F18C6E4BFB35}" dt="2024-04-02T11:34:06.762" v="70" actId="20577"/>
         <pc:sldMkLst>
@@ -927,14 +942,14 @@
           </ac:picMkLst>
         </pc:picChg>
       </pc:sldChg>
-      <pc:sldChg chg="modSp new mod">
-        <pc:chgData name="RODRIGUEZ Enzo" userId="c7d9669b-353c-4586-b7b1-5ee7bcd74935" providerId="ADAL" clId="{A545601D-4F61-4D8C-99B9-F18C6E4BFB35}" dt="2024-04-02T12:44:20.865" v="1330" actId="20577"/>
+      <pc:sldChg chg="addSp delSp modSp new mod setBg">
+        <pc:chgData name="RODRIGUEZ Enzo" userId="c7d9669b-353c-4586-b7b1-5ee7bcd74935" providerId="ADAL" clId="{A545601D-4F61-4D8C-99B9-F18C6E4BFB35}" dt="2024-04-02T12:48:51.086" v="1432" actId="26606"/>
         <pc:sldMkLst>
           <pc:docMk/>
           <pc:sldMk cId="103087316" sldId="264"/>
         </pc:sldMkLst>
         <pc:spChg chg="mod">
-          <ac:chgData name="RODRIGUEZ Enzo" userId="c7d9669b-353c-4586-b7b1-5ee7bcd74935" providerId="ADAL" clId="{A545601D-4F61-4D8C-99B9-F18C6E4BFB35}" dt="2024-04-02T12:40:01.534" v="699" actId="20577"/>
+          <ac:chgData name="RODRIGUEZ Enzo" userId="c7d9669b-353c-4586-b7b1-5ee7bcd74935" providerId="ADAL" clId="{A545601D-4F61-4D8C-99B9-F18C6E4BFB35}" dt="2024-04-02T12:48:51.086" v="1432" actId="26606"/>
           <ac:spMkLst>
             <pc:docMk/>
             <pc:sldMk cId="103087316" sldId="264"/>
@@ -942,13 +957,69 @@
           </ac:spMkLst>
         </pc:spChg>
         <pc:spChg chg="mod">
-          <ac:chgData name="RODRIGUEZ Enzo" userId="c7d9669b-353c-4586-b7b1-5ee7bcd74935" providerId="ADAL" clId="{A545601D-4F61-4D8C-99B9-F18C6E4BFB35}" dt="2024-04-02T12:44:20.865" v="1330" actId="20577"/>
+          <ac:chgData name="RODRIGUEZ Enzo" userId="c7d9669b-353c-4586-b7b1-5ee7bcd74935" providerId="ADAL" clId="{A545601D-4F61-4D8C-99B9-F18C6E4BFB35}" dt="2024-04-02T12:48:51.086" v="1432" actId="26606"/>
           <ac:spMkLst>
             <pc:docMk/>
             <pc:sldMk cId="103087316" sldId="264"/>
             <ac:spMk id="3" creationId="{3D2DC614-CB5B-03AB-D276-BE9F630CDD43}"/>
           </ac:spMkLst>
         </pc:spChg>
+        <pc:spChg chg="add del">
+          <ac:chgData name="RODRIGUEZ Enzo" userId="c7d9669b-353c-4586-b7b1-5ee7bcd74935" providerId="ADAL" clId="{A545601D-4F61-4D8C-99B9-F18C6E4BFB35}" dt="2024-04-02T12:48:51.070" v="1431" actId="26606"/>
+          <ac:spMkLst>
+            <pc:docMk/>
+            <pc:sldMk cId="103087316" sldId="264"/>
+            <ac:spMk id="1031" creationId="{979E27D9-03C7-44E2-9FF8-15D0C8506AF7}"/>
+          </ac:spMkLst>
+        </pc:spChg>
+        <pc:spChg chg="add del">
+          <ac:chgData name="RODRIGUEZ Enzo" userId="c7d9669b-353c-4586-b7b1-5ee7bcd74935" providerId="ADAL" clId="{A545601D-4F61-4D8C-99B9-F18C6E4BFB35}" dt="2024-04-02T12:48:51.070" v="1431" actId="26606"/>
+          <ac:spMkLst>
+            <pc:docMk/>
+            <pc:sldMk cId="103087316" sldId="264"/>
+            <ac:spMk id="1033" creationId="{EEBF1590-3B36-48EE-A89D-3B6F3CB256AB}"/>
+          </ac:spMkLst>
+        </pc:spChg>
+        <pc:spChg chg="add del">
+          <ac:chgData name="RODRIGUEZ Enzo" userId="c7d9669b-353c-4586-b7b1-5ee7bcd74935" providerId="ADAL" clId="{A545601D-4F61-4D8C-99B9-F18C6E4BFB35}" dt="2024-04-02T12:48:51.070" v="1431" actId="26606"/>
+          <ac:spMkLst>
+            <pc:docMk/>
+            <pc:sldMk cId="103087316" sldId="264"/>
+            <ac:spMk id="1035" creationId="{AC8F6C8C-AB5A-4548-942D-E3FD40ACBC49}"/>
+          </ac:spMkLst>
+        </pc:spChg>
+        <pc:spChg chg="add">
+          <ac:chgData name="RODRIGUEZ Enzo" userId="c7d9669b-353c-4586-b7b1-5ee7bcd74935" providerId="ADAL" clId="{A545601D-4F61-4D8C-99B9-F18C6E4BFB35}" dt="2024-04-02T12:48:51.086" v="1432" actId="26606"/>
+          <ac:spMkLst>
+            <pc:docMk/>
+            <pc:sldMk cId="103087316" sldId="264"/>
+            <ac:spMk id="1037" creationId="{12609869-9E80-471B-A487-A53288E0E791}"/>
+          </ac:spMkLst>
+        </pc:spChg>
+        <pc:spChg chg="add">
+          <ac:chgData name="RODRIGUEZ Enzo" userId="c7d9669b-353c-4586-b7b1-5ee7bcd74935" providerId="ADAL" clId="{A545601D-4F61-4D8C-99B9-F18C6E4BFB35}" dt="2024-04-02T12:48:51.086" v="1432" actId="26606"/>
+          <ac:spMkLst>
+            <pc:docMk/>
+            <pc:sldMk cId="103087316" sldId="264"/>
+            <ac:spMk id="1038" creationId="{30563404-8DA1-408B-B56C-EF5733DAA74A}"/>
+          </ac:spMkLst>
+        </pc:spChg>
+        <pc:spChg chg="add">
+          <ac:chgData name="RODRIGUEZ Enzo" userId="c7d9669b-353c-4586-b7b1-5ee7bcd74935" providerId="ADAL" clId="{A545601D-4F61-4D8C-99B9-F18C6E4BFB35}" dt="2024-04-02T12:48:51.086" v="1432" actId="26606"/>
+          <ac:spMkLst>
+            <pc:docMk/>
+            <pc:sldMk cId="103087316" sldId="264"/>
+            <ac:spMk id="1039" creationId="{931CC731-E2EC-4834-B848-101CC27566E7}"/>
+          </ac:spMkLst>
+        </pc:spChg>
+        <pc:picChg chg="add mod">
+          <ac:chgData name="RODRIGUEZ Enzo" userId="c7d9669b-353c-4586-b7b1-5ee7bcd74935" providerId="ADAL" clId="{A545601D-4F61-4D8C-99B9-F18C6E4BFB35}" dt="2024-04-02T12:48:51.086" v="1432" actId="26606"/>
+          <ac:picMkLst>
+            <pc:docMk/>
+            <pc:sldMk cId="103087316" sldId="264"/>
+            <ac:picMk id="1026" creationId="{88C4B36E-C244-4203-A5F3-E67B83184C20}"/>
+          </ac:picMkLst>
+        </pc:picChg>
       </pc:sldChg>
     </pc:docChg>
   </pc:docChgLst>
@@ -5123,6 +5194,53 @@
           </a:p>
         </p:txBody>
       </p:sp>
+      <p:pic>
+        <p:nvPicPr>
+          <p:cNvPr id="2050" name="Picture 2" descr="Comment nous utilisons GIT ? | Blog Buddyweb">
+            <a:extLst>
+              <a:ext uri="{FF2B5EF4-FFF2-40B4-BE49-F238E27FC236}">
+                <a16:creationId xmlns:a16="http://schemas.microsoft.com/office/drawing/2014/main" id="{2A1ABEA0-929B-6D66-3794-5E380A0B25D4}"/>
+              </a:ext>
+            </a:extLst>
+          </p:cNvPr>
+          <p:cNvPicPr>
+            <a:picLocks noChangeAspect="1" noChangeArrowheads="1"/>
+          </p:cNvPicPr>
+          <p:nvPr/>
+        </p:nvPicPr>
+        <p:blipFill>
+          <a:blip r:embed="rId3">
+            <a:extLst>
+              <a:ext uri="{28A0092B-C50C-407E-A947-70E740481C1C}">
+                <a14:useLocalDpi xmlns:a14="http://schemas.microsoft.com/office/drawing/2010/main" val="0"/>
+              </a:ext>
+            </a:extLst>
+          </a:blip>
+          <a:srcRect/>
+          <a:stretch>
+            <a:fillRect/>
+          </a:stretch>
+        </p:blipFill>
+        <p:spPr bwMode="auto">
+          <a:xfrm>
+            <a:off x="9212580" y="412750"/>
+            <a:ext cx="2667000" cy="1714500"/>
+          </a:xfrm>
+          <a:prstGeom prst="rect">
+            <a:avLst/>
+          </a:prstGeom>
+          <a:noFill/>
+          <a:extLst>
+            <a:ext uri="{909E8E84-426E-40DD-AFC4-6F175D3DCCD1}">
+              <a14:hiddenFill xmlns:a14="http://schemas.microsoft.com/office/drawing/2010/main">
+                <a:solidFill>
+                  <a:srgbClr val="FFFFFF"/>
+                </a:solidFill>
+              </a14:hiddenFill>
+            </a:ext>
+          </a:extLst>
+        </p:spPr>
+      </p:pic>
     </p:spTree>
     <p:extLst>
       <p:ext uri="{BB962C8B-B14F-4D97-AF65-F5344CB8AC3E}">
@@ -6379,6 +6497,14 @@
 <file path=ppt/slides/slide7.xml><?xml version="1.0" encoding="utf-8"?>
 <p:sld xmlns:a="http://schemas.openxmlformats.org/drawingml/2006/main" xmlns:r="http://schemas.openxmlformats.org/officeDocument/2006/relationships" xmlns:p="http://schemas.openxmlformats.org/presentationml/2006/main">
   <p:cSld>
+    <p:bg>
+      <p:bgPr>
+        <a:solidFill>
+          <a:schemeClr val="bg1"/>
+        </a:solidFill>
+        <a:effectLst/>
+      </p:bgPr>
+    </p:bg>
     <p:spTree>
       <p:nvGrpSpPr>
         <p:cNvPr id="1" name=""/>
@@ -6393,6 +6519,82 @@
           <a:chExt cx="0" cy="0"/>
         </a:xfrm>
       </p:grpSpPr>
+      <p:sp useBgFill="1">
+        <p:nvSpPr>
+          <p:cNvPr id="1037" name="Rectangle 1030">
+            <a:extLst>
+              <a:ext uri="{FF2B5EF4-FFF2-40B4-BE49-F238E27FC236}">
+                <a16:creationId xmlns:a16="http://schemas.microsoft.com/office/drawing/2014/main" id="{12609869-9E80-471B-A487-A53288E0E791}"/>
+              </a:ext>
+              <a:ext uri="{C183D7F6-B498-43B3-948B-1728B52AA6E4}">
+                <adec:decorative xmlns:adec="http://schemas.microsoft.com/office/drawing/2017/decorative" val="1"/>
+              </a:ext>
+            </a:extLst>
+          </p:cNvPr>
+          <p:cNvSpPr>
+            <a:spLocks noGrp="1" noRot="1" noChangeAspect="1" noMove="1" noResize="1" noEditPoints="1" noAdjustHandles="1" noChangeArrowheads="1" noChangeShapeType="1" noTextEdit="1"/>
+          </p:cNvSpPr>
+          <p:nvPr>
+            <p:extLst>
+              <p:ext uri="{386F3935-93C4-4BCD-93E2-E3B085C9AB24}">
+                <p16:designElem xmlns:p16="http://schemas.microsoft.com/office/powerpoint/2015/main" val="1"/>
+              </p:ext>
+            </p:extLst>
+          </p:nvPr>
+        </p:nvSpPr>
+        <p:spPr>
+          <a:xfrm>
+            <a:off x="0" y="0"/>
+            <a:ext cx="12192000" cy="6858000"/>
+          </a:xfrm>
+          <a:prstGeom prst="rect">
+            <a:avLst/>
+          </a:prstGeom>
+          <a:ln w="12700" cap="flat" cmpd="sng" algn="ctr">
+            <a:noFill/>
+            <a:prstDash val="solid"/>
+            <a:miter lim="800000"/>
+          </a:ln>
+          <a:effectLst/>
+          <a:extLst>
+            <a:ext uri="{91240B29-F687-4F45-9708-019B960494DF}">
+              <a14:hiddenLine xmlns:a14="http://schemas.microsoft.com/office/drawing/2010/main" w="12700" cap="flat" cmpd="sng" algn="ctr">
+                <a:solidFill>
+                  <a:schemeClr val="accent1">
+                    <a:shade val="50000"/>
+                  </a:schemeClr>
+                </a:solidFill>
+                <a:prstDash val="solid"/>
+                <a:miter lim="800000"/>
+              </a14:hiddenLine>
+            </a:ext>
+          </a:extLst>
+        </p:spPr>
+        <p:style>
+          <a:lnRef idx="2">
+            <a:schemeClr val="accent1">
+              <a:shade val="50000"/>
+            </a:schemeClr>
+          </a:lnRef>
+          <a:fillRef idx="1">
+            <a:schemeClr val="accent1"/>
+          </a:fillRef>
+          <a:effectRef idx="0">
+            <a:schemeClr val="accent1"/>
+          </a:effectRef>
+          <a:fontRef idx="minor">
+            <a:schemeClr val="lt1"/>
+          </a:fontRef>
+        </p:style>
+        <p:txBody>
+          <a:bodyPr rtlCol="0" anchor="ctr"/>
+          <a:lstStyle/>
+          <a:p>
+            <a:pPr algn="ctr"/>
+            <a:endParaRPr lang="en-US"/>
+          </a:p>
+        </p:txBody>
+      </p:sp>
       <p:sp>
         <p:nvSpPr>
           <p:cNvPr id="2" name="Titre 1">
@@ -6409,13 +6611,20 @@
             <p:ph type="title"/>
           </p:nvPr>
         </p:nvSpPr>
-        <p:spPr/>
-        <p:txBody>
-          <a:bodyPr/>
-          <a:lstStyle/>
-          <a:p>
-            <a:r>
-              <a:rPr lang="fr-FR" dirty="0"/>
+        <p:spPr>
+          <a:xfrm>
+            <a:off x="1371601" y="457201"/>
+            <a:ext cx="10068975" cy="1066800"/>
+          </a:xfrm>
+        </p:spPr>
+        <p:txBody>
+          <a:bodyPr anchor="b">
+            <a:normAutofit/>
+          </a:bodyPr>
+          <a:lstStyle/>
+          <a:p>
+            <a:r>
+              <a:rPr lang="fr-FR" sz="4000"/>
               <a:t>Quelques commandes utiles</a:t>
             </a:r>
           </a:p>
@@ -6437,91 +6646,288 @@
             <p:ph idx="1"/>
           </p:nvPr>
         </p:nvSpPr>
-        <p:spPr/>
-        <p:txBody>
-          <a:bodyPr/>
-          <a:lstStyle/>
-          <a:p>
-            <a:r>
-              <a:rPr lang="fr-FR" dirty="0"/>
-              <a:t>ls : (</a:t>
-            </a:r>
-            <a:r>
-              <a:rPr lang="fr-FR" dirty="0" err="1"/>
-              <a:t>list</a:t>
-            </a:r>
-            <a:r>
-              <a:rPr lang="fr-FR" dirty="0"/>
-              <a:t>) affiche les différents dossiers et fichier contenus dans le répertoire actif</a:t>
-            </a:r>
-          </a:p>
-          <a:p>
-            <a:r>
-              <a:rPr lang="fr-FR" dirty="0"/>
+        <p:spPr>
+          <a:xfrm>
+            <a:off x="1371601" y="1980775"/>
+            <a:ext cx="5865905" cy="3632824"/>
+          </a:xfrm>
+        </p:spPr>
+        <p:txBody>
+          <a:bodyPr anchor="t">
+            <a:normAutofit/>
+          </a:bodyPr>
+          <a:lstStyle/>
+          <a:p>
+            <a:pPr>
+              <a:lnSpc>
+                <a:spcPct val="110000"/>
+              </a:lnSpc>
+            </a:pPr>
+            <a:r>
+              <a:rPr lang="fr-FR" sz="1500"/>
+              <a:t>ls : (list) affiche les différents dossiers et fichier contenus dans le répertoire actif</a:t>
+            </a:r>
+          </a:p>
+          <a:p>
+            <a:pPr>
+              <a:lnSpc>
+                <a:spcPct val="110000"/>
+              </a:lnSpc>
+            </a:pPr>
+            <a:r>
+              <a:rPr lang="fr-FR" sz="1500"/>
               <a:t>cd : (change directory) permet de changer de répertoire (dossier) actif</a:t>
             </a:r>
           </a:p>
           <a:p>
-            <a:r>
-              <a:rPr lang="fr-FR" dirty="0"/>
-              <a:t>git init : permet d’initialiser un </a:t>
-            </a:r>
-            <a:r>
-              <a:rPr lang="fr-FR" dirty="0" err="1"/>
-              <a:t>dépot</a:t>
-            </a:r>
-            <a:r>
-              <a:rPr lang="fr-FR" dirty="0"/>
-              <a:t> git dans le répertoire actif</a:t>
-            </a:r>
-          </a:p>
-          <a:p>
-            <a:r>
-              <a:rPr lang="fr-FR" dirty="0"/>
-              <a:t>git </a:t>
-            </a:r>
-            <a:r>
-              <a:rPr lang="fr-FR" dirty="0" err="1"/>
-              <a:t>add</a:t>
-            </a:r>
-            <a:r>
-              <a:rPr lang="fr-FR" dirty="0"/>
-              <a:t> –A : permet d’ajouter toutes les modifications au commit</a:t>
-            </a:r>
-          </a:p>
-          <a:p>
-            <a:r>
-              <a:rPr lang="fr-FR" dirty="0"/>
+            <a:pPr>
+              <a:lnSpc>
+                <a:spcPct val="110000"/>
+              </a:lnSpc>
+            </a:pPr>
+            <a:r>
+              <a:rPr lang="fr-FR" sz="1500"/>
+              <a:t>git init : permet d’initialiser un dépot git dans le répertoire actif</a:t>
+            </a:r>
+          </a:p>
+          <a:p>
+            <a:pPr>
+              <a:lnSpc>
+                <a:spcPct val="110000"/>
+              </a:lnSpc>
+            </a:pPr>
+            <a:r>
+              <a:rPr lang="fr-FR" sz="1500"/>
+              <a:t>git add –A : permet d’ajouter toutes les modifications au commit</a:t>
+            </a:r>
+          </a:p>
+          <a:p>
+            <a:pPr>
+              <a:lnSpc>
+                <a:spcPct val="110000"/>
+              </a:lnSpc>
+            </a:pPr>
+            <a:r>
+              <a:rPr lang="fr-FR" sz="1500"/>
               <a:t>git commit –m ‘’message’’ : permet d’enregistrer un commit avec un message</a:t>
             </a:r>
           </a:p>
           <a:p>
-            <a:r>
-              <a:rPr lang="fr-FR" dirty="0"/>
+            <a:pPr>
+              <a:lnSpc>
+                <a:spcPct val="110000"/>
+              </a:lnSpc>
+            </a:pPr>
+            <a:r>
+              <a:rPr lang="fr-FR" sz="1500"/>
               <a:t>git push : permet d’envoyer les changements vers un serveur distant</a:t>
             </a:r>
           </a:p>
           <a:p>
-            <a:r>
-              <a:rPr lang="fr-FR" dirty="0"/>
-              <a:t>git </a:t>
-            </a:r>
-            <a:r>
-              <a:rPr lang="fr-FR" dirty="0" err="1"/>
-              <a:t>branch</a:t>
-            </a:r>
-            <a:r>
-              <a:rPr lang="fr-FR" dirty="0"/>
-              <a:t>/git </a:t>
-            </a:r>
-            <a:r>
-              <a:rPr lang="fr-FR" dirty="0" err="1"/>
-              <a:t>checkout</a:t>
-            </a:r>
-            <a:r>
-              <a:rPr lang="fr-FR" dirty="0"/>
-              <a:t> : permet de changer de branche active</a:t>
-            </a:r>
+            <a:pPr>
+              <a:lnSpc>
+                <a:spcPct val="110000"/>
+              </a:lnSpc>
+            </a:pPr>
+            <a:r>
+              <a:rPr lang="fr-FR" sz="1500"/>
+              <a:t>git branch/git checkout : permet de changer de branche active</a:t>
+            </a:r>
+          </a:p>
+        </p:txBody>
+      </p:sp>
+      <p:pic>
+        <p:nvPicPr>
+          <p:cNvPr id="1026" name="Picture 2" descr="Git en 5 minutes | IT Knowledge Factory">
+            <a:extLst>
+              <a:ext uri="{FF2B5EF4-FFF2-40B4-BE49-F238E27FC236}">
+                <a16:creationId xmlns:a16="http://schemas.microsoft.com/office/drawing/2014/main" id="{88C4B36E-C244-4203-A5F3-E67B83184C20}"/>
+              </a:ext>
+            </a:extLst>
+          </p:cNvPr>
+          <p:cNvPicPr>
+            <a:picLocks noChangeAspect="1" noChangeArrowheads="1"/>
+          </p:cNvPicPr>
+          <p:nvPr/>
+        </p:nvPicPr>
+        <p:blipFill rotWithShape="1">
+          <a:blip r:embed="rId2">
+            <a:extLst>
+              <a:ext uri="{28A0092B-C50C-407E-A947-70E740481C1C}">
+                <a14:useLocalDpi xmlns:a14="http://schemas.microsoft.com/office/drawing/2010/main" val="0"/>
+              </a:ext>
+            </a:extLst>
+          </a:blip>
+          <a:srcRect r="2178" b="-5"/>
+          <a:stretch/>
+        </p:blipFill>
+        <p:spPr bwMode="auto">
+          <a:xfrm>
+            <a:off x="7646838" y="1980775"/>
+            <a:ext cx="3748858" cy="3632824"/>
+          </a:xfrm>
+          <a:prstGeom prst="rect">
+            <a:avLst/>
+          </a:prstGeom>
+          <a:noFill/>
+          <a:extLst>
+            <a:ext uri="{909E8E84-426E-40DD-AFC4-6F175D3DCCD1}">
+              <a14:hiddenFill xmlns:a14="http://schemas.microsoft.com/office/drawing/2010/main">
+                <a:solidFill>
+                  <a:srgbClr val="FFFFFF"/>
+                </a:solidFill>
+              </a14:hiddenFill>
+            </a:ext>
+          </a:extLst>
+        </p:spPr>
+      </p:pic>
+      <p:sp>
+        <p:nvSpPr>
+          <p:cNvPr id="1038" name="Rectangle 1032">
+            <a:extLst>
+              <a:ext uri="{FF2B5EF4-FFF2-40B4-BE49-F238E27FC236}">
+                <a16:creationId xmlns:a16="http://schemas.microsoft.com/office/drawing/2014/main" id="{30563404-8DA1-408B-B56C-EF5733DAA74A}"/>
+              </a:ext>
+              <a:ext uri="{C183D7F6-B498-43B3-948B-1728B52AA6E4}">
+                <adec:decorative xmlns:adec="http://schemas.microsoft.com/office/drawing/2017/decorative" val="1"/>
+              </a:ext>
+            </a:extLst>
+          </p:cNvPr>
+          <p:cNvSpPr>
+            <a:spLocks noGrp="1" noRot="1" noChangeAspect="1" noMove="1" noResize="1" noEditPoints="1" noAdjustHandles="1" noChangeArrowheads="1" noChangeShapeType="1" noTextEdit="1"/>
+          </p:cNvSpPr>
+          <p:nvPr>
+            <p:extLst>
+              <p:ext uri="{386F3935-93C4-4BCD-93E2-E3B085C9AB24}">
+                <p16:designElem xmlns:p16="http://schemas.microsoft.com/office/powerpoint/2015/main" val="1"/>
+              </p:ext>
+            </p:extLst>
+          </p:nvPr>
+        </p:nvSpPr>
+        <p:spPr>
+          <a:xfrm rot="10800000" flipH="1">
+            <a:off x="0" y="6400799"/>
+            <a:ext cx="12192000" cy="456773"/>
+          </a:xfrm>
+          <a:prstGeom prst="rect">
+            <a:avLst/>
+          </a:prstGeom>
+          <a:gradFill>
+            <a:gsLst>
+              <a:gs pos="14000">
+                <a:schemeClr val="accent4">
+                  <a:alpha val="28000"/>
+                </a:schemeClr>
+              </a:gs>
+              <a:gs pos="100000">
+                <a:schemeClr val="accent5">
+                  <a:alpha val="85000"/>
+                </a:schemeClr>
+              </a:gs>
+            </a:gsLst>
+            <a:lin ang="6000000" scaled="0"/>
+          </a:gradFill>
+          <a:ln>
+            <a:noFill/>
+          </a:ln>
+        </p:spPr>
+        <p:style>
+          <a:lnRef idx="2">
+            <a:schemeClr val="accent1">
+              <a:shade val="50000"/>
+            </a:schemeClr>
+          </a:lnRef>
+          <a:fillRef idx="1">
+            <a:schemeClr val="accent1"/>
+          </a:fillRef>
+          <a:effectRef idx="0">
+            <a:schemeClr val="accent1"/>
+          </a:effectRef>
+          <a:fontRef idx="minor">
+            <a:schemeClr val="lt1"/>
+          </a:fontRef>
+        </p:style>
+        <p:txBody>
+          <a:bodyPr rtlCol="0" anchor="ctr"/>
+          <a:lstStyle/>
+          <a:p>
+            <a:pPr algn="ctr"/>
+            <a:endParaRPr lang="en-US"/>
+          </a:p>
+        </p:txBody>
+      </p:sp>
+      <p:sp>
+        <p:nvSpPr>
+          <p:cNvPr id="1039" name="Rectangle 1034">
+            <a:extLst>
+              <a:ext uri="{FF2B5EF4-FFF2-40B4-BE49-F238E27FC236}">
+                <a16:creationId xmlns:a16="http://schemas.microsoft.com/office/drawing/2014/main" id="{931CC731-E2EC-4834-B848-101CC27566E7}"/>
+              </a:ext>
+              <a:ext uri="{C183D7F6-B498-43B3-948B-1728B52AA6E4}">
+                <adec:decorative xmlns:adec="http://schemas.microsoft.com/office/drawing/2017/decorative" val="1"/>
+              </a:ext>
+            </a:extLst>
+          </p:cNvPr>
+          <p:cNvSpPr>
+            <a:spLocks noGrp="1" noRot="1" noChangeAspect="1" noMove="1" noResize="1" noEditPoints="1" noAdjustHandles="1" noChangeArrowheads="1" noChangeShapeType="1" noTextEdit="1"/>
+          </p:cNvSpPr>
+          <p:nvPr>
+            <p:extLst>
+              <p:ext uri="{386F3935-93C4-4BCD-93E2-E3B085C9AB24}">
+                <p16:designElem xmlns:p16="http://schemas.microsoft.com/office/powerpoint/2015/main" val="1"/>
+              </p:ext>
+            </p:extLst>
+          </p:nvPr>
+        </p:nvSpPr>
+        <p:spPr>
+          <a:xfrm flipH="1">
+            <a:off x="4038600" y="6400799"/>
+            <a:ext cx="8153398" cy="456772"/>
+          </a:xfrm>
+          <a:prstGeom prst="rect">
+            <a:avLst/>
+          </a:prstGeom>
+          <a:gradFill>
+            <a:gsLst>
+              <a:gs pos="9000">
+                <a:schemeClr val="tx2">
+                  <a:lumMod val="50000"/>
+                  <a:lumOff val="50000"/>
+                  <a:alpha val="35000"/>
+                </a:schemeClr>
+              </a:gs>
+              <a:gs pos="99000">
+                <a:schemeClr val="accent2"/>
+              </a:gs>
+            </a:gsLst>
+            <a:lin ang="14400000" scaled="0"/>
+          </a:gradFill>
+          <a:ln>
+            <a:noFill/>
+          </a:ln>
+        </p:spPr>
+        <p:style>
+          <a:lnRef idx="2">
+            <a:schemeClr val="accent1">
+              <a:shade val="50000"/>
+            </a:schemeClr>
+          </a:lnRef>
+          <a:fillRef idx="1">
+            <a:schemeClr val="accent1"/>
+          </a:fillRef>
+          <a:effectRef idx="0">
+            <a:schemeClr val="accent1"/>
+          </a:effectRef>
+          <a:fontRef idx="minor">
+            <a:schemeClr val="lt1"/>
+          </a:fontRef>
+        </p:style>
+        <p:txBody>
+          <a:bodyPr rtlCol="0" anchor="ctr"/>
+          <a:lstStyle/>
+          <a:p>
+            <a:pPr algn="ctr"/>
+            <a:endParaRPr lang="en-US"/>
           </a:p>
         </p:txBody>
       </p:sp>
@@ -7311,23 +7717,6 @@
 </file>
 
 <file path=customXml/item1.xml><?xml version="1.0" encoding="utf-8"?>
-<p:properties xmlns:p="http://schemas.microsoft.com/office/2006/metadata/properties" xmlns:xsi="http://www.w3.org/2001/XMLSchema-instance" xmlns:pc="http://schemas.microsoft.com/office/infopath/2007/PartnerControls">
-  <documentManagement>
-    <_activity xmlns="f68a5b62-1b0b-466f-8e38-f8c8c5b7255e" xsi:nil="true"/>
-  </documentManagement>
-</p:properties>
-</file>
-
-<file path=customXml/item2.xml><?xml version="1.0" encoding="utf-8"?>
-<?mso-contentType ?>
-<FormTemplates xmlns="http://schemas.microsoft.com/sharepoint/v3/contenttype/forms">
-  <Display>DocumentLibraryForm</Display>
-  <Edit>DocumentLibraryForm</Edit>
-  <New>DocumentLibraryForm</New>
-</FormTemplates>
-</file>
-
-<file path=customXml/item3.xml><?xml version="1.0" encoding="utf-8"?>
 <ct:contentTypeSchema xmlns:ct="http://schemas.microsoft.com/office/2006/metadata/contentType" xmlns:ma="http://schemas.microsoft.com/office/2006/metadata/properties/metaAttributes" ct:_="" ma:_="" ma:contentTypeName="Document" ma:contentTypeID="0x010100CF936F56FAE91B439FAFFD972CC2B7F1" ma:contentTypeVersion="15" ma:contentTypeDescription="Create a new document." ma:contentTypeScope="" ma:versionID="a3519c3cf6d7bb81296b8cf20f563cea">
   <xsd:schema xmlns:xsd="http://www.w3.org/2001/XMLSchema" xmlns:xs="http://www.w3.org/2001/XMLSchema" xmlns:p="http://schemas.microsoft.com/office/2006/metadata/properties" xmlns:ns3="f68a5b62-1b0b-466f-8e38-f8c8c5b7255e" xmlns:ns4="ba9f85d8-b2d1-4b89-8acf-8762d82caeb3" targetNamespace="http://schemas.microsoft.com/office/2006/metadata/properties" ma:root="true" ma:fieldsID="f190c39607de7c0e7151324fbd0b70fa" ns3:_="" ns4:_="">
     <xsd:import namespace="f68a5b62-1b0b-466f-8e38-f8c8c5b7255e"/>
@@ -7560,32 +7949,24 @@
 </ct:contentTypeSchema>
 </file>
 
-<file path=customXml/itemProps1.xml><?xml version="1.0" encoding="utf-8"?>
-<ds:datastoreItem xmlns:ds="http://schemas.openxmlformats.org/officeDocument/2006/customXml" ds:itemID="{F4A1FAA2-7433-451D-BB8A-265CA2A7A35D}">
-  <ds:schemaRefs>
-    <ds:schemaRef ds:uri="http://schemas.microsoft.com/office/2006/documentManagement/types"/>
-    <ds:schemaRef ds:uri="f68a5b62-1b0b-466f-8e38-f8c8c5b7255e"/>
-    <ds:schemaRef ds:uri="http://purl.org/dc/terms/"/>
-    <ds:schemaRef ds:uri="http://purl.org/dc/dcmitype/"/>
-    <ds:schemaRef ds:uri="http://schemas.openxmlformats.org/package/2006/metadata/core-properties"/>
-    <ds:schemaRef ds:uri="ba9f85d8-b2d1-4b89-8acf-8762d82caeb3"/>
-    <ds:schemaRef ds:uri="http://purl.org/dc/elements/1.1/"/>
-    <ds:schemaRef ds:uri="http://www.w3.org/XML/1998/namespace"/>
-    <ds:schemaRef ds:uri="http://schemas.microsoft.com/office/infopath/2007/PartnerControls"/>
-    <ds:schemaRef ds:uri="http://schemas.microsoft.com/office/2006/metadata/properties"/>
-  </ds:schemaRefs>
-</ds:datastoreItem>
+<file path=customXml/item2.xml><?xml version="1.0" encoding="utf-8"?>
+<?mso-contentType ?>
+<FormTemplates xmlns="http://schemas.microsoft.com/sharepoint/v3/contenttype/forms">
+  <Display>DocumentLibraryForm</Display>
+  <Edit>DocumentLibraryForm</Edit>
+  <New>DocumentLibraryForm</New>
+</FormTemplates>
 </file>
 
-<file path=customXml/itemProps2.xml><?xml version="1.0" encoding="utf-8"?>
-<ds:datastoreItem xmlns:ds="http://schemas.openxmlformats.org/officeDocument/2006/customXml" ds:itemID="{5DA03FCD-B129-41A5-8E7A-B7FAEB57A036}">
-  <ds:schemaRefs>
-    <ds:schemaRef ds:uri="http://schemas.microsoft.com/sharepoint/v3/contenttype/forms"/>
-  </ds:schemaRefs>
-</ds:datastoreItem>
+<file path=customXml/item3.xml><?xml version="1.0" encoding="utf-8"?>
+<p:properties xmlns:p="http://schemas.microsoft.com/office/2006/metadata/properties" xmlns:xsi="http://www.w3.org/2001/XMLSchema-instance" xmlns:pc="http://schemas.microsoft.com/office/infopath/2007/PartnerControls">
+  <documentManagement>
+    <_activity xmlns="f68a5b62-1b0b-466f-8e38-f8c8c5b7255e" xsi:nil="true"/>
+  </documentManagement>
+</p:properties>
 </file>
 
-<file path=customXml/itemProps3.xml><?xml version="1.0" encoding="utf-8"?>
+<file path=customXml/itemProps1.xml><?xml version="1.0" encoding="utf-8"?>
 <ds:datastoreItem xmlns:ds="http://schemas.openxmlformats.org/officeDocument/2006/customXml" ds:itemID="{76E2C340-955A-4DB9-8C93-0E5A05A392A6}">
   <ds:schemaRefs>
     <ds:schemaRef ds:uri="http://schemas.microsoft.com/office/2006/metadata/contentType"/>
@@ -7602,4 +7983,29 @@
     <ds:schemaRef ds:uri="http://schemas.microsoft.com/internal/obd"/>
   </ds:schemaRefs>
 </ds:datastoreItem>
+</file>
+
+<file path=customXml/itemProps2.xml><?xml version="1.0" encoding="utf-8"?>
+<ds:datastoreItem xmlns:ds="http://schemas.openxmlformats.org/officeDocument/2006/customXml" ds:itemID="{5DA03FCD-B129-41A5-8E7A-B7FAEB57A036}">
+  <ds:schemaRefs>
+    <ds:schemaRef ds:uri="http://schemas.microsoft.com/sharepoint/v3/contenttype/forms"/>
+  </ds:schemaRefs>
+</ds:datastoreItem>
+</file>
+
+<file path=customXml/itemProps3.xml><?xml version="1.0" encoding="utf-8"?>
+<ds:datastoreItem xmlns:ds="http://schemas.openxmlformats.org/officeDocument/2006/customXml" ds:itemID="{F4A1FAA2-7433-451D-BB8A-265CA2A7A35D}">
+  <ds:schemaRefs>
+    <ds:schemaRef ds:uri="http://schemas.microsoft.com/office/2006/documentManagement/types"/>
+    <ds:schemaRef ds:uri="f68a5b62-1b0b-466f-8e38-f8c8c5b7255e"/>
+    <ds:schemaRef ds:uri="http://purl.org/dc/terms/"/>
+    <ds:schemaRef ds:uri="http://purl.org/dc/dcmitype/"/>
+    <ds:schemaRef ds:uri="http://schemas.openxmlformats.org/package/2006/metadata/core-properties"/>
+    <ds:schemaRef ds:uri="ba9f85d8-b2d1-4b89-8acf-8762d82caeb3"/>
+    <ds:schemaRef ds:uri="http://purl.org/dc/elements/1.1/"/>
+    <ds:schemaRef ds:uri="http://www.w3.org/XML/1998/namespace"/>
+    <ds:schemaRef ds:uri="http://schemas.microsoft.com/office/infopath/2007/PartnerControls"/>
+    <ds:schemaRef ds:uri="http://schemas.microsoft.com/office/2006/metadata/properties"/>
+  </ds:schemaRefs>
+</ds:datastoreItem>
 </file>